--- a/docs/design.pptx
+++ b/docs/design.pptx
@@ -2924,30 +2924,1145 @@
       </p:grpSpPr>
       <p:grpSp>
         <p:nvGrpSpPr>
-          <p:cNvPr id="58" name="Group 57"/>
+          <p:cNvPr id="37" name="Group 36"/>
           <p:cNvGrpSpPr/>
           <p:nvPr/>
         </p:nvGrpSpPr>
         <p:grpSpPr>
           <a:xfrm>
-            <a:off x="-450850" y="948055"/>
-            <a:ext cx="13093700" cy="4961255"/>
-            <a:chOff x="-320" y="-15"/>
-            <a:chExt cx="20620" cy="7813"/>
+            <a:off x="-450850" y="592455"/>
+            <a:ext cx="13093065" cy="4960620"/>
+            <a:chOff x="-710" y="1493"/>
+            <a:chExt cx="20619" cy="7812"/>
           </a:xfrm>
         </p:grpSpPr>
         <p:grpSp>
           <p:nvGrpSpPr>
-            <p:cNvPr id="47" name="Group 46"/>
+            <p:cNvPr id="68" name="Group 67"/>
             <p:cNvGrpSpPr/>
             <p:nvPr/>
           </p:nvGrpSpPr>
           <p:grpSpPr>
             <a:xfrm rot="0">
-              <a:off x="-320" y="-15"/>
-              <a:ext cx="20620" cy="4648"/>
-              <a:chOff x="-320" y="-15"/>
-              <a:chExt cx="20620" cy="4648"/>
+              <a:off x="-710" y="1493"/>
+              <a:ext cx="13802" cy="4649"/>
+              <a:chOff x="-305" y="-15"/>
+              <a:chExt cx="13802" cy="4649"/>
+            </a:xfrm>
+          </p:grpSpPr>
+          <p:grpSp>
+            <p:nvGrpSpPr>
+              <p:cNvPr id="66" name="Group 65"/>
+              <p:cNvGrpSpPr/>
+              <p:nvPr/>
+            </p:nvGrpSpPr>
+            <p:grpSpPr>
+              <a:xfrm>
+                <a:off x="-305" y="-15"/>
+                <a:ext cx="13802" cy="4635"/>
+                <a:chOff x="-320" y="2556"/>
+                <a:chExt cx="13802" cy="4635"/>
+              </a:xfrm>
+            </p:grpSpPr>
+            <p:grpSp>
+              <p:nvGrpSpPr>
+                <p:cNvPr id="40" name="Group 39"/>
+                <p:cNvGrpSpPr/>
+                <p:nvPr/>
+              </p:nvGrpSpPr>
+              <p:grpSpPr>
+                <a:xfrm>
+                  <a:off x="-320" y="2556"/>
+                  <a:ext cx="7530" cy="4634"/>
+                  <a:chOff x="593" y="2506"/>
+                  <a:chExt cx="7530" cy="4634"/>
+                </a:xfrm>
+              </p:grpSpPr>
+              <p:grpSp>
+                <p:nvGrpSpPr>
+                  <p:cNvPr id="32" name="Group 31"/>
+                  <p:cNvGrpSpPr/>
+                  <p:nvPr/>
+                </p:nvGrpSpPr>
+                <p:grpSpPr>
+                  <a:xfrm>
+                    <a:off x="593" y="2506"/>
+                    <a:ext cx="3871" cy="4634"/>
+                    <a:chOff x="593" y="2506"/>
+                    <a:chExt cx="3871" cy="4634"/>
+                  </a:xfrm>
+                </p:grpSpPr>
+                <p:grpSp>
+                  <p:nvGrpSpPr>
+                    <p:cNvPr id="20" name="Group 19"/>
+                    <p:cNvGrpSpPr/>
+                    <p:nvPr/>
+                  </p:nvGrpSpPr>
+                  <p:grpSpPr>
+                    <a:xfrm>
+                      <a:off x="593" y="3779"/>
+                      <a:ext cx="1900" cy="2088"/>
+                      <a:chOff x="538" y="3756"/>
+                      <a:chExt cx="1900" cy="2088"/>
+                    </a:xfrm>
+                  </p:grpSpPr>
+                  <p:sp>
+                    <p:nvSpPr>
+                      <p:cNvPr id="21" name="Can 20"/>
+                      <p:cNvSpPr/>
+                      <p:nvPr/>
+                    </p:nvSpPr>
+                    <p:spPr>
+                      <a:xfrm>
+                        <a:off x="843" y="3756"/>
+                        <a:ext cx="1291" cy="2089"/>
+                      </a:xfrm>
+                      <a:prstGeom prst="can">
+                        <a:avLst/>
+                      </a:prstGeom>
+                      <a:solidFill>
+                        <a:srgbClr val="7030A0"/>
+                      </a:solidFill>
+                      <a:ln>
+                        <a:solidFill>
+                          <a:srgbClr val="7030A0"/>
+                        </a:solidFill>
+                      </a:ln>
+                    </p:spPr>
+                    <p:style>
+                      <a:lnRef idx="2">
+                        <a:schemeClr val="accent1">
+                          <a:shade val="50000"/>
+                        </a:schemeClr>
+                      </a:lnRef>
+                      <a:fillRef idx="1">
+                        <a:schemeClr val="accent1"/>
+                      </a:fillRef>
+                      <a:effectRef idx="0">
+                        <a:schemeClr val="accent1"/>
+                      </a:effectRef>
+                      <a:fontRef idx="minor">
+                        <a:schemeClr val="lt1"/>
+                      </a:fontRef>
+                    </p:style>
+                    <p:txBody>
+                      <a:bodyPr rtlCol="0" anchor="ctr"/>
+                      <a:p>
+                        <a:pPr algn="ctr"/>
+                        <a:endParaRPr lang="en-GB" altLang="en-US"/>
+                      </a:p>
+                    </p:txBody>
+                  </p:sp>
+                  <p:sp>
+                    <p:nvSpPr>
+                      <p:cNvPr id="22" name="Text Box 21"/>
+                      <p:cNvSpPr txBox="1"/>
+                      <p:nvPr/>
+                    </p:nvSpPr>
+                    <p:spPr>
+                      <a:xfrm>
+                        <a:off x="538" y="4542"/>
+                        <a:ext cx="1901" cy="822"/>
+                      </a:xfrm>
+                      <a:prstGeom prst="rect">
+                        <a:avLst/>
+                      </a:prstGeom>
+                      <a:noFill/>
+                    </p:spPr>
+                    <p:txBody>
+                      <a:bodyPr wrap="square" rtlCol="0">
+                        <a:spAutoFit/>
+                      </a:bodyPr>
+                      <a:p>
+                        <a:pPr algn="ctr"/>
+                        <a:r>
+                          <a:rPr lang="en-GB" altLang="en-US" sz="1400" b="1"/>
+                          <a:t>MusicCaps</a:t>
+                        </a:r>
+                        <a:endParaRPr lang="en-GB" altLang="en-US" sz="1400" b="1"/>
+                      </a:p>
+                      <a:p>
+                        <a:pPr algn="ctr"/>
+                        <a:r>
+                          <a:rPr lang="en-GB" altLang="en-US" sz="1400" b="1"/>
+                          <a:t>dataset</a:t>
+                        </a:r>
+                        <a:endParaRPr lang="en-GB" altLang="en-US" sz="1400" b="1"/>
+                      </a:p>
+                    </p:txBody>
+                  </p:sp>
+                </p:grpSp>
+                <p:sp>
+                  <p:nvSpPr>
+                    <p:cNvPr id="23" name="Left Brace 22"/>
+                    <p:cNvSpPr/>
+                    <p:nvPr/>
+                  </p:nvSpPr>
+                  <p:spPr>
+                    <a:xfrm>
+                      <a:off x="2469" y="2506"/>
+                      <a:ext cx="814" cy="4634"/>
+                    </a:xfrm>
+                    <a:prstGeom prst="leftBrace">
+                      <a:avLst>
+                        <a:gd name="adj1" fmla="val 82378"/>
+                        <a:gd name="adj2" fmla="val 50000"/>
+                      </a:avLst>
+                    </a:prstGeom>
+                  </p:spPr>
+                  <p:style>
+                    <a:lnRef idx="1">
+                      <a:schemeClr val="dk1"/>
+                    </a:lnRef>
+                    <a:fillRef idx="0">
+                      <a:schemeClr val="dk1"/>
+                    </a:fillRef>
+                    <a:effectRef idx="0">
+                      <a:schemeClr val="dk1"/>
+                    </a:effectRef>
+                    <a:fontRef idx="minor">
+                      <a:schemeClr val="tx1"/>
+                    </a:fontRef>
+                  </p:style>
+                  <p:txBody>
+                    <a:bodyPr rtlCol="0" anchor="ctr"/>
+                    <a:p>
+                      <a:pPr algn="ctr"/>
+                      <a:endParaRPr lang="en-GB" altLang="en-US"/>
+                    </a:p>
+                  </p:txBody>
+                </p:sp>
+                <p:grpSp>
+                  <p:nvGrpSpPr>
+                    <p:cNvPr id="24" name="Group 23"/>
+                    <p:cNvGrpSpPr/>
+                    <p:nvPr/>
+                  </p:nvGrpSpPr>
+                  <p:grpSpPr>
+                    <a:xfrm>
+                      <a:off x="3065" y="2677"/>
+                      <a:ext cx="1399" cy="4240"/>
+                      <a:chOff x="3080" y="2677"/>
+                      <a:chExt cx="1399" cy="4240"/>
+                    </a:xfrm>
+                  </p:grpSpPr>
+                  <p:grpSp>
+                    <p:nvGrpSpPr>
+                      <p:cNvPr id="25" name="Group 24"/>
+                      <p:cNvGrpSpPr/>
+                      <p:nvPr/>
+                    </p:nvGrpSpPr>
+                    <p:grpSpPr>
+                      <a:xfrm>
+                        <a:off x="3080" y="4243"/>
+                        <a:ext cx="1360" cy="1161"/>
+                        <a:chOff x="3087" y="4269"/>
+                        <a:chExt cx="1360" cy="1161"/>
+                      </a:xfrm>
+                    </p:grpSpPr>
+                    <p:sp>
+                      <p:nvSpPr>
+                        <p:cNvPr id="26" name="Rounded Rectangle 25"/>
+                        <p:cNvSpPr/>
+                        <p:nvPr/>
+                      </p:nvSpPr>
+                      <p:spPr>
+                        <a:xfrm>
+                          <a:off x="3160" y="4269"/>
+                          <a:ext cx="1287" cy="1108"/>
+                        </a:xfrm>
+                        <a:prstGeom prst="roundRect">
+                          <a:avLst>
+                            <a:gd name="adj" fmla="val 38357"/>
+                          </a:avLst>
+                        </a:prstGeom>
+                      </p:spPr>
+                      <p:style>
+                        <a:lnRef idx="1">
+                          <a:schemeClr val="accent1"/>
+                        </a:lnRef>
+                        <a:fillRef idx="2">
+                          <a:schemeClr val="accent1"/>
+                        </a:fillRef>
+                        <a:effectRef idx="1">
+                          <a:schemeClr val="accent1"/>
+                        </a:effectRef>
+                        <a:fontRef idx="minor">
+                          <a:schemeClr val="dk1"/>
+                        </a:fontRef>
+                      </p:style>
+                      <p:txBody>
+                        <a:bodyPr rtlCol="0" anchor="ctr"/>
+                        <a:p>
+                          <a:pPr algn="ctr"/>
+                          <a:endParaRPr lang="en-GB" altLang="en-US"/>
+                        </a:p>
+                      </p:txBody>
+                    </p:sp>
+                    <p:sp>
+                      <p:nvSpPr>
+                        <p:cNvPr id="27" name="Text Box 26"/>
+                        <p:cNvSpPr txBox="1"/>
+                        <p:nvPr/>
+                      </p:nvSpPr>
+                      <p:spPr>
+                        <a:xfrm>
+                          <a:off x="3087" y="4269"/>
+                          <a:ext cx="1360" cy="1161"/>
+                        </a:xfrm>
+                        <a:prstGeom prst="rect">
+                          <a:avLst/>
+                        </a:prstGeom>
+                        <a:noFill/>
+                      </p:spPr>
+                      <p:txBody>
+                        <a:bodyPr wrap="square" rtlCol="0" anchor="t">
+                          <a:spAutoFit/>
+                        </a:bodyPr>
+                        <a:p>
+                          <a:pPr algn="ctr"/>
+                          <a:r>
+                            <a:rPr lang="en-GB" altLang="en-US" sz="1400">
+                              <a:sym typeface="+mn-ea"/>
+                            </a:rPr>
+                            <a:t>clips de</a:t>
+                          </a:r>
+                          <a:endParaRPr lang="en-GB" altLang="en-US" sz="1400"/>
+                        </a:p>
+                        <a:p>
+                          <a:pPr algn="ctr"/>
+                          <a:r>
+                            <a:rPr lang="en-GB" altLang="en-US" sz="1400"/>
+                            <a:t>10s de música </a:t>
+                          </a:r>
+                          <a:endParaRPr lang="en-GB" altLang="en-US" sz="1400"/>
+                        </a:p>
+                      </p:txBody>
+                    </p:sp>
+                  </p:grpSp>
+                  <p:sp>
+                    <p:nvSpPr>
+                      <p:cNvPr id="28" name="Rounded Rectangle 27"/>
+                      <p:cNvSpPr/>
+                      <p:nvPr/>
+                    </p:nvSpPr>
+                    <p:spPr>
+                      <a:xfrm>
+                        <a:off x="3416" y="3431"/>
+                        <a:ext cx="687" cy="541"/>
+                      </a:xfrm>
+                      <a:prstGeom prst="roundRect">
+                        <a:avLst>
+                          <a:gd name="adj" fmla="val 38357"/>
+                        </a:avLst>
+                      </a:prstGeom>
+                    </p:spPr>
+                    <p:style>
+                      <a:lnRef idx="1">
+                        <a:schemeClr val="accent1"/>
+                      </a:lnRef>
+                      <a:fillRef idx="2">
+                        <a:schemeClr val="accent1"/>
+                      </a:fillRef>
+                      <a:effectRef idx="1">
+                        <a:schemeClr val="accent1"/>
+                      </a:effectRef>
+                      <a:fontRef idx="minor">
+                        <a:schemeClr val="dk1"/>
+                      </a:fontRef>
+                    </p:style>
+                    <p:txBody>
+                      <a:bodyPr rtlCol="0" anchor="ctr"/>
+                      <a:p>
+                        <a:pPr algn="ctr"/>
+                        <a:endParaRPr lang="en-GB" altLang="en-US"/>
+                      </a:p>
+                    </p:txBody>
+                  </p:sp>
+                  <p:sp>
+                    <p:nvSpPr>
+                      <p:cNvPr id="29" name="Rounded Rectangle 28"/>
+                      <p:cNvSpPr/>
+                      <p:nvPr/>
+                    </p:nvSpPr>
+                    <p:spPr>
+                      <a:xfrm>
+                        <a:off x="3415" y="2677"/>
+                        <a:ext cx="687" cy="541"/>
+                      </a:xfrm>
+                      <a:prstGeom prst="roundRect">
+                        <a:avLst>
+                          <a:gd name="adj" fmla="val 38357"/>
+                        </a:avLst>
+                      </a:prstGeom>
+                    </p:spPr>
+                    <p:style>
+                      <a:lnRef idx="1">
+                        <a:schemeClr val="accent1"/>
+                      </a:lnRef>
+                      <a:fillRef idx="2">
+                        <a:schemeClr val="accent1"/>
+                      </a:fillRef>
+                      <a:effectRef idx="1">
+                        <a:schemeClr val="accent1"/>
+                      </a:effectRef>
+                      <a:fontRef idx="minor">
+                        <a:schemeClr val="dk1"/>
+                      </a:fontRef>
+                    </p:style>
+                    <p:txBody>
+                      <a:bodyPr rtlCol="0" anchor="ctr"/>
+                      <a:p>
+                        <a:pPr algn="ctr"/>
+                        <a:endParaRPr lang="en-GB" altLang="en-US"/>
+                      </a:p>
+                    </p:txBody>
+                  </p:sp>
+                  <p:sp>
+                    <p:nvSpPr>
+                      <p:cNvPr id="30" name="Rounded Rectangle 29"/>
+                      <p:cNvSpPr/>
+                      <p:nvPr/>
+                    </p:nvSpPr>
+                    <p:spPr>
+                      <a:xfrm>
+                        <a:off x="3415" y="6376"/>
+                        <a:ext cx="687" cy="541"/>
+                      </a:xfrm>
+                      <a:prstGeom prst="roundRect">
+                        <a:avLst>
+                          <a:gd name="adj" fmla="val 38357"/>
+                        </a:avLst>
+                      </a:prstGeom>
+                    </p:spPr>
+                    <p:style>
+                      <a:lnRef idx="1">
+                        <a:schemeClr val="accent1"/>
+                      </a:lnRef>
+                      <a:fillRef idx="2">
+                        <a:schemeClr val="accent1"/>
+                      </a:fillRef>
+                      <a:effectRef idx="1">
+                        <a:schemeClr val="accent1"/>
+                      </a:effectRef>
+                      <a:fontRef idx="minor">
+                        <a:schemeClr val="dk1"/>
+                      </a:fontRef>
+                    </p:style>
+                    <p:txBody>
+                      <a:bodyPr rtlCol="0" anchor="ctr"/>
+                      <a:p>
+                        <a:pPr algn="ctr"/>
+                        <a:endParaRPr lang="en-GB" altLang="en-US"/>
+                      </a:p>
+                    </p:txBody>
+                  </p:sp>
+                  <p:sp>
+                    <p:nvSpPr>
+                      <p:cNvPr id="31" name="Text Box 30"/>
+                      <p:cNvSpPr txBox="1"/>
+                      <p:nvPr/>
+                    </p:nvSpPr>
+                    <p:spPr>
+                      <a:xfrm>
+                        <a:off x="3416" y="5351"/>
+                        <a:ext cx="1063" cy="1066"/>
+                      </a:xfrm>
+                      <a:prstGeom prst="rect">
+                        <a:avLst/>
+                      </a:prstGeom>
+                      <a:noFill/>
+                    </p:spPr>
+                    <p:txBody>
+                      <a:bodyPr vert="eaVert" wrap="square" rtlCol="0">
+                        <a:spAutoFit/>
+                      </a:bodyPr>
+                      <a:p>
+                        <a:pPr algn="ctr"/>
+                        <a:r>
+                          <a:rPr lang="en-GB" altLang="en-US" sz="3200" b="1"/>
+                          <a:t>...</a:t>
+                        </a:r>
+                        <a:endParaRPr lang="en-GB" altLang="en-US" sz="3200" b="1"/>
+                      </a:p>
+                    </p:txBody>
+                  </p:sp>
+                </p:grpSp>
+              </p:grpSp>
+              <p:grpSp>
+                <p:nvGrpSpPr>
+                  <p:cNvPr id="39" name="Group 38"/>
+                  <p:cNvGrpSpPr/>
+                  <p:nvPr/>
+                </p:nvGrpSpPr>
+                <p:grpSpPr>
+                  <a:xfrm>
+                    <a:off x="5528" y="3714"/>
+                    <a:ext cx="2595" cy="2220"/>
+                    <a:chOff x="5099" y="3648"/>
+                    <a:chExt cx="2595" cy="2220"/>
+                  </a:xfrm>
+                </p:grpSpPr>
+                <p:sp>
+                  <p:nvSpPr>
+                    <p:cNvPr id="34" name="Hexagon 33"/>
+                    <p:cNvSpPr/>
+                    <p:nvPr/>
+                  </p:nvSpPr>
+                  <p:spPr>
+                    <a:xfrm>
+                      <a:off x="5099" y="3648"/>
+                      <a:ext cx="2595" cy="2220"/>
+                    </a:xfrm>
+                    <a:prstGeom prst="hexagon">
+                      <a:avLst/>
+                    </a:prstGeom>
+                  </p:spPr>
+                  <p:style>
+                    <a:lnRef idx="1">
+                      <a:schemeClr val="accent3"/>
+                    </a:lnRef>
+                    <a:fillRef idx="2">
+                      <a:schemeClr val="accent3"/>
+                    </a:fillRef>
+                    <a:effectRef idx="1">
+                      <a:schemeClr val="accent3"/>
+                    </a:effectRef>
+                    <a:fontRef idx="minor">
+                      <a:schemeClr val="dk1"/>
+                    </a:fontRef>
+                  </p:style>
+                  <p:txBody>
+                    <a:bodyPr rtlCol="0" anchor="ctr"/>
+                    <a:p>
+                      <a:pPr algn="ctr"/>
+                      <a:endParaRPr lang="en-GB" altLang="en-US"/>
+                    </a:p>
+                  </p:txBody>
+                </p:sp>
+                <p:sp>
+                  <p:nvSpPr>
+                    <p:cNvPr id="36" name="Text Box 35"/>
+                    <p:cNvSpPr txBox="1"/>
+                    <p:nvPr/>
+                  </p:nvSpPr>
+                  <p:spPr>
+                    <a:xfrm>
+                      <a:off x="5406" y="4223"/>
+                      <a:ext cx="1980" cy="1016"/>
+                    </a:xfrm>
+                    <a:prstGeom prst="rect">
+                      <a:avLst/>
+                    </a:prstGeom>
+                    <a:noFill/>
+                  </p:spPr>
+                  <p:txBody>
+                    <a:bodyPr wrap="square" rtlCol="0">
+                      <a:spAutoFit/>
+                    </a:bodyPr>
+                    <a:p>
+                      <a:pPr algn="ctr"/>
+                      <a:r>
+                        <a:rPr lang="en-GB" altLang="en-US"/>
+                        <a:t>Extracción</a:t>
+                      </a:r>
+                      <a:endParaRPr lang="en-GB" altLang="en-US"/>
+                    </a:p>
+                    <a:p>
+                      <a:pPr algn="ctr"/>
+                      <a:r>
+                        <a:rPr lang="en-GB" altLang="en-US"/>
+                        <a:t>de f</a:t>
+                      </a:r>
+                      <a:r>
+                        <a:rPr lang="en-GB" altLang="en-US">
+                          <a:sym typeface="+mn-ea"/>
+                        </a:rPr>
+                        <a:t>eatures</a:t>
+                      </a:r>
+                      <a:endParaRPr lang="en-GB" altLang="en-US"/>
+                    </a:p>
+                  </p:txBody>
+                </p:sp>
+              </p:grpSp>
+              <p:cxnSp>
+                <p:nvCxnSpPr>
+                  <p:cNvPr id="38" name="Straight Arrow Connector 37"/>
+                  <p:cNvCxnSpPr/>
+                  <p:nvPr/>
+                </p:nvCxnSpPr>
+                <p:spPr>
+                  <a:xfrm>
+                    <a:off x="4584" y="4817"/>
+                    <a:ext cx="784" cy="11"/>
+                  </a:xfrm>
+                  <a:prstGeom prst="straightConnector1">
+                    <a:avLst/>
+                  </a:prstGeom>
+                  <a:ln w="88900" cmpd="dbl">
+                    <a:solidFill>
+                      <a:schemeClr val="tx1"/>
+                    </a:solidFill>
+                    <a:tailEnd type="arrow" w="sm" len="sm"/>
+                  </a:ln>
+                </p:spPr>
+                <p:style>
+                  <a:lnRef idx="1">
+                    <a:schemeClr val="accent1"/>
+                  </a:lnRef>
+                  <a:fillRef idx="0">
+                    <a:schemeClr val="accent1"/>
+                  </a:fillRef>
+                  <a:effectRef idx="0">
+                    <a:schemeClr val="accent1"/>
+                  </a:effectRef>
+                  <a:fontRef idx="minor">
+                    <a:schemeClr val="tx1"/>
+                  </a:fontRef>
+                </p:style>
+              </p:cxnSp>
+            </p:grpSp>
+            <p:grpSp>
+              <p:nvGrpSpPr>
+                <p:cNvPr id="65" name="Group 64"/>
+                <p:cNvGrpSpPr/>
+                <p:nvPr/>
+              </p:nvGrpSpPr>
+              <p:grpSpPr>
+                <a:xfrm>
+                  <a:off x="7409" y="2557"/>
+                  <a:ext cx="3867" cy="4634"/>
+                  <a:chOff x="7409" y="2557"/>
+                  <a:chExt cx="3867" cy="4634"/>
+                </a:xfrm>
+              </p:grpSpPr>
+              <p:sp>
+                <p:nvSpPr>
+                  <p:cNvPr id="42" name="Left Brace 41"/>
+                  <p:cNvSpPr/>
+                  <p:nvPr/>
+                </p:nvSpPr>
+                <p:spPr>
+                  <a:xfrm>
+                    <a:off x="7409" y="2557"/>
+                    <a:ext cx="814" cy="4634"/>
+                  </a:xfrm>
+                  <a:prstGeom prst="leftBrace">
+                    <a:avLst>
+                      <a:gd name="adj1" fmla="val 82378"/>
+                      <a:gd name="adj2" fmla="val 50000"/>
+                    </a:avLst>
+                  </a:prstGeom>
+                </p:spPr>
+                <p:style>
+                  <a:lnRef idx="1">
+                    <a:schemeClr val="dk1"/>
+                  </a:lnRef>
+                  <a:fillRef idx="0">
+                    <a:schemeClr val="dk1"/>
+                  </a:fillRef>
+                  <a:effectRef idx="0">
+                    <a:schemeClr val="dk1"/>
+                  </a:effectRef>
+                  <a:fontRef idx="minor">
+                    <a:schemeClr val="tx1"/>
+                  </a:fontRef>
+                </p:style>
+                <p:txBody>
+                  <a:bodyPr rtlCol="0" anchor="ctr"/>
+                  <a:p>
+                    <a:pPr algn="ctr"/>
+                    <a:endParaRPr lang="en-GB" altLang="en-US"/>
+                  </a:p>
+                </p:txBody>
+              </p:sp>
+              <p:grpSp>
+                <p:nvGrpSpPr>
+                  <p:cNvPr id="64" name="Group 63"/>
+                  <p:cNvGrpSpPr/>
+                  <p:nvPr/>
+                </p:nvGrpSpPr>
+                <p:grpSpPr>
+                  <a:xfrm>
+                    <a:off x="7998" y="3007"/>
+                    <a:ext cx="3278" cy="3728"/>
+                    <a:chOff x="7998" y="3007"/>
+                    <a:chExt cx="3278" cy="3728"/>
+                  </a:xfrm>
+                </p:grpSpPr>
+                <p:grpSp>
+                  <p:nvGrpSpPr>
+                    <p:cNvPr id="55" name="Group 54"/>
+                    <p:cNvGrpSpPr/>
+                    <p:nvPr/>
+                  </p:nvGrpSpPr>
+                  <p:grpSpPr>
+                    <a:xfrm>
+                      <a:off x="7998" y="3007"/>
+                      <a:ext cx="3278" cy="2512"/>
+                      <a:chOff x="7906" y="2669"/>
+                      <a:chExt cx="3278" cy="2512"/>
+                    </a:xfrm>
+                  </p:grpSpPr>
+                  <p:sp>
+                    <p:nvSpPr>
+                      <p:cNvPr id="43" name="Text Box 42"/>
+                      <p:cNvSpPr txBox="1"/>
+                      <p:nvPr/>
+                    </p:nvSpPr>
+                    <p:spPr>
+                      <a:xfrm>
+                        <a:off x="7906" y="2669"/>
+                        <a:ext cx="2169" cy="628"/>
+                      </a:xfrm>
+                      <a:prstGeom prst="rect">
+                        <a:avLst/>
+                      </a:prstGeom>
+                      <a:noFill/>
+                    </p:spPr>
+                    <p:txBody>
+                      <a:bodyPr wrap="square" rtlCol="0" anchor="t">
+                        <a:spAutoFit/>
+                      </a:bodyPr>
+                      <a:p>
+                        <a:pPr marL="171450" indent="-171450">
+                          <a:buFont typeface="Arial" panose="020B0604020202020204" pitchFamily="34" charset="0"/>
+                          <a:buChar char="•"/>
+                        </a:pPr>
+                        <a:r>
+                          <a:rPr lang="en-GB" altLang="en-US" sz="1000"/>
+                          <a:t>género: </a:t>
+                        </a:r>
+                        <a:endParaRPr lang="en-GB" altLang="en-US" sz="1000"/>
+                      </a:p>
+                      <a:p>
+                        <a:pPr indent="0">
+                          <a:buFont typeface="Arial" panose="020B0604020202020204" pitchFamily="34" charset="0"/>
+                          <a:buNone/>
+                        </a:pPr>
+                        <a:r>
+                          <a:rPr lang="en-GB" altLang="en-US" sz="1000"/>
+                          <a:t>       &lt;genre tag&gt; </a:t>
+                        </a:r>
+                        <a:endParaRPr lang="en-GB" altLang="en-US" sz="1000"/>
+                      </a:p>
+                    </p:txBody>
+                  </p:sp>
+                  <p:sp>
+                    <p:nvSpPr>
+                      <p:cNvPr id="45" name="Text Box 44"/>
+                      <p:cNvSpPr txBox="1"/>
+                      <p:nvPr/>
+                    </p:nvSpPr>
+                    <p:spPr>
+                      <a:xfrm>
+                        <a:off x="7906" y="3297"/>
+                        <a:ext cx="3278" cy="628"/>
+                      </a:xfrm>
+                      <a:prstGeom prst="rect">
+                        <a:avLst/>
+                      </a:prstGeom>
+                      <a:noFill/>
+                    </p:spPr>
+                    <p:txBody>
+                      <a:bodyPr wrap="square" rtlCol="0" anchor="t">
+                        <a:spAutoFit/>
+                      </a:bodyPr>
+                      <a:p>
+                        <a:pPr marL="171450" indent="-171450">
+                          <a:buFont typeface="Arial" panose="020B0604020202020204" pitchFamily="34" charset="0"/>
+                          <a:buChar char="•"/>
+                        </a:pPr>
+                        <a:r>
+                          <a:rPr lang="en-GB" altLang="en-US" sz="1000"/>
+                          <a:t>danceabilidad: </a:t>
+                        </a:r>
+                        <a:endParaRPr lang="en-GB" altLang="en-US" sz="1000"/>
+                      </a:p>
+                      <a:p>
+                        <a:pPr indent="0">
+                          <a:buFont typeface="Arial" panose="020B0604020202020204" pitchFamily="34" charset="0"/>
+                          <a:buNone/>
+                        </a:pPr>
+                        <a:r>
+                          <a:rPr lang="en-GB" altLang="en-US" sz="1000"/>
+                          <a:t>       &lt;</a:t>
+                        </a:r>
+                        <a:r>
+                          <a:rPr lang="en-GB" altLang="en-US" sz="1000">
+                            <a:sym typeface="+mn-ea"/>
+                          </a:rPr>
+                          <a:t>danceability </a:t>
+                        </a:r>
+                        <a:r>
+                          <a:rPr lang="en-GB" altLang="en-US" sz="1000"/>
+                          <a:t>tag&gt; </a:t>
+                        </a:r>
+                        <a:endParaRPr lang="en-GB" altLang="en-US" sz="1000"/>
+                      </a:p>
+                    </p:txBody>
+                  </p:sp>
+                  <p:sp>
+                    <p:nvSpPr>
+                      <p:cNvPr id="46" name="Text Box 45"/>
+                      <p:cNvSpPr txBox="1"/>
+                      <p:nvPr/>
+                    </p:nvSpPr>
+                    <p:spPr>
+                      <a:xfrm>
+                        <a:off x="7906" y="3925"/>
+                        <a:ext cx="2358" cy="628"/>
+                      </a:xfrm>
+                      <a:prstGeom prst="rect">
+                        <a:avLst/>
+                      </a:prstGeom>
+                      <a:noFill/>
+                    </p:spPr>
+                    <p:txBody>
+                      <a:bodyPr wrap="square" rtlCol="0" anchor="t">
+                        <a:spAutoFit/>
+                      </a:bodyPr>
+                      <a:p>
+                        <a:pPr marL="171450" indent="-171450">
+                          <a:buFont typeface="Arial" panose="020B0604020202020204" pitchFamily="34" charset="0"/>
+                          <a:buChar char="•"/>
+                        </a:pPr>
+                        <a:r>
+                          <a:rPr lang="en-GB" altLang="en-US" sz="1000"/>
+                          <a:t>tema: </a:t>
+                        </a:r>
+                        <a:endParaRPr lang="en-GB" altLang="en-US" sz="1000"/>
+                      </a:p>
+                      <a:p>
+                        <a:pPr indent="0">
+                          <a:buFont typeface="Arial" panose="020B0604020202020204" pitchFamily="34" charset="0"/>
+                          <a:buNone/>
+                        </a:pPr>
+                        <a:r>
+                          <a:rPr lang="en-GB" altLang="en-US" sz="1000"/>
+                          <a:t>       &lt;theme tags&gt; </a:t>
+                        </a:r>
+                        <a:endParaRPr lang="en-GB" altLang="en-US" sz="1000"/>
+                      </a:p>
+                    </p:txBody>
+                  </p:sp>
+                  <p:sp>
+                    <p:nvSpPr>
+                      <p:cNvPr id="48" name="Text Box 47"/>
+                      <p:cNvSpPr txBox="1"/>
+                      <p:nvPr/>
+                    </p:nvSpPr>
+                    <p:spPr>
+                      <a:xfrm>
+                        <a:off x="7906" y="4553"/>
+                        <a:ext cx="2004" cy="628"/>
+                      </a:xfrm>
+                      <a:prstGeom prst="rect">
+                        <a:avLst/>
+                      </a:prstGeom>
+                      <a:noFill/>
+                    </p:spPr>
+                    <p:txBody>
+                      <a:bodyPr wrap="square" rtlCol="0" anchor="t">
+                        <a:spAutoFit/>
+                      </a:bodyPr>
+                      <a:p>
+                        <a:pPr marL="171450" indent="-171450">
+                          <a:buFont typeface="Arial" panose="020B0604020202020204" pitchFamily="34" charset="0"/>
+                          <a:buChar char="•"/>
+                        </a:pPr>
+                        <a:r>
+                          <a:rPr lang="en-GB" altLang="en-US" sz="1000"/>
+                          <a:t>género de la voz:</a:t>
+                        </a:r>
+                        <a:endParaRPr lang="en-GB" altLang="en-US" sz="1000"/>
+                      </a:p>
+                      <a:p>
+                        <a:pPr indent="0">
+                          <a:buFont typeface="Arial" panose="020B0604020202020204" pitchFamily="34" charset="0"/>
+                          <a:buNone/>
+                        </a:pPr>
+                        <a:r>
+                          <a:rPr lang="en-GB" altLang="en-US" sz="1000"/>
+                          <a:t>       &lt;</a:t>
+                        </a:r>
+                        <a:r>
+                          <a:rPr lang="en-GB" altLang="en-US" sz="1000">
+                            <a:sym typeface="+mn-ea"/>
+                          </a:rPr>
+                          <a:t>gender </a:t>
+                        </a:r>
+                        <a:r>
+                          <a:rPr lang="en-GB" altLang="en-US" sz="1000"/>
+                          <a:t>tag&gt; </a:t>
+                        </a:r>
+                        <a:endParaRPr lang="en-GB" altLang="en-US" sz="1000"/>
+                      </a:p>
+                    </p:txBody>
+                  </p:sp>
+                </p:grpSp>
+                <p:sp>
+                  <p:nvSpPr>
+                    <p:cNvPr id="49" name="Text Box 48"/>
+                    <p:cNvSpPr txBox="1"/>
+                    <p:nvPr/>
+                  </p:nvSpPr>
+                  <p:spPr>
+                    <a:xfrm>
+                      <a:off x="8103" y="5669"/>
+                      <a:ext cx="1063" cy="1066"/>
+                    </a:xfrm>
+                    <a:prstGeom prst="rect">
+                      <a:avLst/>
+                    </a:prstGeom>
+                    <a:noFill/>
+                  </p:spPr>
+                  <p:txBody>
+                    <a:bodyPr vert="eaVert" wrap="square" rtlCol="0">
+                      <a:spAutoFit/>
+                    </a:bodyPr>
+                    <a:p>
+                      <a:pPr algn="ctr"/>
+                      <a:r>
+                        <a:rPr lang="en-GB" altLang="en-US" sz="3200" b="1"/>
+                        <a:t>...</a:t>
+                      </a:r>
+                      <a:endParaRPr lang="en-GB" altLang="en-US" sz="3200" b="1"/>
+                    </a:p>
+                  </p:txBody>
+                </p:sp>
+              </p:grpSp>
+            </p:grpSp>
+            <p:grpSp>
+              <p:nvGrpSpPr>
+                <p:cNvPr id="62" name="Group 61"/>
+                <p:cNvGrpSpPr/>
+                <p:nvPr/>
+              </p:nvGrpSpPr>
+              <p:grpSpPr>
+                <a:xfrm rot="0">
+                  <a:off x="10887" y="2727"/>
+                  <a:ext cx="2595" cy="2220"/>
+                  <a:chOff x="10887" y="2727"/>
+                  <a:chExt cx="2595" cy="2220"/>
+                </a:xfrm>
+              </p:grpSpPr>
+              <p:sp>
+                <p:nvSpPr>
+                  <p:cNvPr id="59" name="Hexagon 58"/>
+                  <p:cNvSpPr/>
+                  <p:nvPr/>
+                </p:nvSpPr>
+                <p:spPr>
+                  <a:xfrm>
+                    <a:off x="10887" y="2727"/>
+                    <a:ext cx="2595" cy="2220"/>
+                  </a:xfrm>
+                  <a:prstGeom prst="hexagon">
+                    <a:avLst/>
+                  </a:prstGeom>
+                </p:spPr>
+                <p:style>
+                  <a:lnRef idx="1">
+                    <a:schemeClr val="accent3"/>
+                  </a:lnRef>
+                  <a:fillRef idx="2">
+                    <a:schemeClr val="accent3"/>
+                  </a:fillRef>
+                  <a:effectRef idx="1">
+                    <a:schemeClr val="accent3"/>
+                  </a:effectRef>
+                  <a:fontRef idx="minor">
+                    <a:schemeClr val="dk1"/>
+                  </a:fontRef>
+                </p:style>
+                <p:txBody>
+                  <a:bodyPr rtlCol="0" anchor="ctr"/>
+                  <a:p>
+                    <a:pPr algn="ctr"/>
+                    <a:endParaRPr lang="en-GB" altLang="en-US"/>
+                  </a:p>
+                </p:txBody>
+              </p:sp>
+              <p:sp>
+                <p:nvSpPr>
+                  <p:cNvPr id="61" name="Text Box 60"/>
+                  <p:cNvSpPr txBox="1"/>
+                  <p:nvPr/>
+                </p:nvSpPr>
+                <p:spPr>
+                  <a:xfrm>
+                    <a:off x="11221" y="2893"/>
+                    <a:ext cx="2018" cy="1840"/>
+                  </a:xfrm>
+                  <a:prstGeom prst="rect">
+                    <a:avLst/>
+                  </a:prstGeom>
+                  <a:noFill/>
+                </p:spPr>
+                <p:txBody>
+                  <a:bodyPr wrap="square" rtlCol="0">
+                    <a:spAutoFit/>
+                  </a:bodyPr>
+                  <a:p>
+                    <a:pPr algn="ctr"/>
+                    <a:r>
+                      <a:rPr lang="en-GB" altLang="en-US" sz="1400"/>
+                      <a:t>Conversión de tags en una </a:t>
+                    </a:r>
+                    <a:r>
+                      <a:rPr lang="en-GB" altLang="en-US" sz="1400" b="1" i="1"/>
+                      <a:t>descripci</a:t>
+                    </a:r>
+                    <a:r>
+                      <a:rPr lang="en-GB" altLang="en-US" sz="1400" b="1" i="1">
+                        <a:sym typeface="+mn-ea"/>
+                      </a:rPr>
+                      <a:t>ón</a:t>
+                    </a:r>
+                    <a:r>
+                      <a:rPr lang="en-GB" altLang="en-US" sz="1400">
+                        <a:sym typeface="+mn-ea"/>
+                      </a:rPr>
+                      <a:t> en </a:t>
+                    </a:r>
+                    <a:r>
+                      <a:rPr lang="en-GB" altLang="en-US" sz="1400"/>
+                      <a:t>lenguaje natural</a:t>
+                    </a:r>
+                    <a:endParaRPr lang="en-GB" altLang="en-US" sz="1400"/>
+                  </a:p>
+                </p:txBody>
+              </p:sp>
+            </p:grpSp>
+          </p:grpSp>
+          <p:sp>
+            <p:nvSpPr>
+              <p:cNvPr id="67" name="Left Brace 66"/>
+              <p:cNvSpPr/>
+              <p:nvPr/>
+            </p:nvSpPr>
+            <p:spPr>
+              <a:xfrm flipH="1">
+                <a:off x="9802" y="0"/>
+                <a:ext cx="814" cy="4634"/>
+              </a:xfrm>
+              <a:prstGeom prst="leftBrace">
+                <a:avLst>
+                  <a:gd name="adj1" fmla="val 82378"/>
+                  <a:gd name="adj2" fmla="val 27665"/>
+                </a:avLst>
+              </a:prstGeom>
+            </p:spPr>
+            <p:style>
+              <a:lnRef idx="1">
+                <a:schemeClr val="dk1"/>
+              </a:lnRef>
+              <a:fillRef idx="0">
+                <a:schemeClr val="dk1"/>
+              </a:fillRef>
+              <a:effectRef idx="0">
+                <a:schemeClr val="dk1"/>
+              </a:effectRef>
+              <a:fontRef idx="minor">
+                <a:schemeClr val="tx1"/>
+              </a:fontRef>
+            </p:style>
+            <p:txBody>
+              <a:bodyPr rtlCol="0" anchor="ctr"/>
+              <a:p>
+                <a:pPr algn="ctr"/>
+                <a:endParaRPr lang="en-GB" altLang="en-US"/>
+              </a:p>
+            </p:txBody>
+          </p:sp>
+        </p:grpSp>
+        <p:cxnSp>
+          <p:nvCxnSpPr>
+            <p:cNvPr id="74" name="Straight Arrow Connector 73"/>
+            <p:cNvCxnSpPr/>
+            <p:nvPr/>
+          </p:nvCxnSpPr>
+          <p:spPr>
+            <a:xfrm>
+              <a:off x="12943" y="3310"/>
+              <a:ext cx="765" cy="360"/>
+            </a:xfrm>
+            <a:prstGeom prst="straightConnector1">
+              <a:avLst/>
+            </a:prstGeom>
+            <a:ln w="19050" cmpd="sng">
+              <a:solidFill>
+                <a:srgbClr val="19A382"/>
+              </a:solidFill>
+              <a:prstDash val="dash"/>
+              <a:tailEnd type="triangle"/>
+            </a:ln>
+          </p:spPr>
+          <p:style>
+            <a:lnRef idx="1">
+              <a:schemeClr val="accent1"/>
+            </a:lnRef>
+            <a:fillRef idx="0">
+              <a:schemeClr val="accent1"/>
+            </a:fillRef>
+            <a:effectRef idx="0">
+              <a:schemeClr val="accent1"/>
+            </a:effectRef>
+            <a:fontRef idx="minor">
+              <a:schemeClr val="tx1"/>
+            </a:fontRef>
+          </p:style>
+        </p:cxnSp>
+        <p:cxnSp>
+          <p:nvCxnSpPr>
+            <p:cNvPr id="75" name="Straight Arrow Connector 74"/>
+            <p:cNvCxnSpPr/>
+            <p:nvPr/>
+          </p:nvCxnSpPr>
+          <p:spPr>
+            <a:xfrm flipH="1">
+              <a:off x="12589" y="4561"/>
+              <a:ext cx="1104" cy="538"/>
+            </a:xfrm>
+            <a:prstGeom prst="straightConnector1">
+              <a:avLst/>
+            </a:prstGeom>
+            <a:ln w="19050" cmpd="sng">
+              <a:solidFill>
+                <a:srgbClr val="19A382"/>
+              </a:solidFill>
+              <a:prstDash val="dash"/>
+              <a:tailEnd type="triangle"/>
+            </a:ln>
+          </p:spPr>
+          <p:style>
+            <a:lnRef idx="1">
+              <a:schemeClr val="accent1"/>
+            </a:lnRef>
+            <a:fillRef idx="0">
+              <a:schemeClr val="accent1"/>
+            </a:fillRef>
+            <a:effectRef idx="0">
+              <a:schemeClr val="accent1"/>
+            </a:effectRef>
+            <a:fontRef idx="minor">
+              <a:schemeClr val="tx1"/>
+            </a:fontRef>
+          </p:style>
+        </p:cxnSp>
+        <p:grpSp>
+          <p:nvGrpSpPr>
+            <p:cNvPr id="35" name="Group 34"/>
+            <p:cNvGrpSpPr/>
+            <p:nvPr/>
+          </p:nvGrpSpPr>
+          <p:grpSpPr>
+            <a:xfrm>
+              <a:off x="10937" y="2509"/>
+              <a:ext cx="8973" cy="6797"/>
+              <a:chOff x="10937" y="2509"/>
+              <a:chExt cx="8973" cy="6797"/>
             </a:xfrm>
           </p:grpSpPr>
           <p:grpSp>
@@ -2958,7 +4073,7 @@
             </p:nvGrpSpPr>
             <p:grpSpPr>
               <a:xfrm rot="0">
-                <a:off x="14051" y="1892"/>
+                <a:off x="13661" y="3400"/>
                 <a:ext cx="1848" cy="1455"/>
                 <a:chOff x="14066" y="1892"/>
                 <a:chExt cx="1848" cy="1455"/>
@@ -3137,1233 +4252,97 @@
           </p:grpSp>
           <p:grpSp>
             <p:nvGrpSpPr>
-              <p:cNvPr id="83" name="Group 82"/>
+              <p:cNvPr id="79" name="Group 78"/>
               <p:cNvGrpSpPr/>
               <p:nvPr/>
             </p:nvGrpSpPr>
             <p:grpSpPr>
-              <a:xfrm>
-                <a:off x="-320" y="-15"/>
-                <a:ext cx="14417" cy="4648"/>
-                <a:chOff x="-320" y="-15"/>
-                <a:chExt cx="14417" cy="4648"/>
+              <a:xfrm rot="0">
+                <a:off x="10937" y="4391"/>
+                <a:ext cx="1598" cy="1520"/>
+                <a:chOff x="11342" y="2883"/>
+                <a:chExt cx="1598" cy="1520"/>
               </a:xfrm>
             </p:grpSpPr>
-            <p:grpSp>
-              <p:nvGrpSpPr>
-                <p:cNvPr id="68" name="Group 67"/>
-                <p:cNvGrpSpPr/>
+            <p:sp>
+              <p:nvSpPr>
+                <p:cNvPr id="77" name="Can 76"/>
+                <p:cNvSpPr/>
                 <p:nvPr/>
-              </p:nvGrpSpPr>
-              <p:grpSpPr>
-                <a:xfrm rot="0">
-                  <a:off x="-320" y="-15"/>
-                  <a:ext cx="13802" cy="4649"/>
-                  <a:chOff x="-305" y="-15"/>
-                  <a:chExt cx="13802" cy="4649"/>
-                </a:xfrm>
-              </p:grpSpPr>
-              <p:grpSp>
-                <p:nvGrpSpPr>
-                  <p:cNvPr id="66" name="Group 65"/>
-                  <p:cNvGrpSpPr/>
-                  <p:nvPr/>
-                </p:nvGrpSpPr>
-                <p:grpSpPr>
-                  <a:xfrm>
-                    <a:off x="-305" y="-15"/>
-                    <a:ext cx="13802" cy="4635"/>
-                    <a:chOff x="-320" y="2556"/>
-                    <a:chExt cx="13802" cy="4635"/>
-                  </a:xfrm>
-                </p:grpSpPr>
-                <p:grpSp>
-                  <p:nvGrpSpPr>
-                    <p:cNvPr id="40" name="Group 39"/>
-                    <p:cNvGrpSpPr/>
-                    <p:nvPr/>
-                  </p:nvGrpSpPr>
-                  <p:grpSpPr>
-                    <a:xfrm>
-                      <a:off x="-320" y="2556"/>
-                      <a:ext cx="7530" cy="4634"/>
-                      <a:chOff x="593" y="2506"/>
-                      <a:chExt cx="7530" cy="4634"/>
-                    </a:xfrm>
-                  </p:grpSpPr>
-                  <p:grpSp>
-                    <p:nvGrpSpPr>
-                      <p:cNvPr id="32" name="Group 31"/>
-                      <p:cNvGrpSpPr/>
-                      <p:nvPr/>
-                    </p:nvGrpSpPr>
-                    <p:grpSpPr>
-                      <a:xfrm>
-                        <a:off x="593" y="2506"/>
-                        <a:ext cx="3871" cy="4634"/>
-                        <a:chOff x="593" y="2506"/>
-                        <a:chExt cx="3871" cy="4634"/>
-                      </a:xfrm>
-                    </p:grpSpPr>
-                    <p:grpSp>
-                      <p:nvGrpSpPr>
-                        <p:cNvPr id="20" name="Group 19"/>
-                        <p:cNvGrpSpPr/>
-                        <p:nvPr/>
-                      </p:nvGrpSpPr>
-                      <p:grpSpPr>
-                        <a:xfrm>
-                          <a:off x="593" y="3779"/>
-                          <a:ext cx="1900" cy="2088"/>
-                          <a:chOff x="538" y="3756"/>
-                          <a:chExt cx="1900" cy="2088"/>
-                        </a:xfrm>
-                      </p:grpSpPr>
-                      <p:sp>
-                        <p:nvSpPr>
-                          <p:cNvPr id="21" name="Can 20"/>
-                          <p:cNvSpPr/>
-                          <p:nvPr/>
-                        </p:nvSpPr>
-                        <p:spPr>
-                          <a:xfrm>
-                            <a:off x="843" y="3756"/>
-                            <a:ext cx="1291" cy="2089"/>
-                          </a:xfrm>
-                          <a:prstGeom prst="can">
-                            <a:avLst/>
-                          </a:prstGeom>
-                          <a:solidFill>
-                            <a:srgbClr val="7030A0"/>
-                          </a:solidFill>
-                          <a:ln>
-                            <a:solidFill>
-                              <a:srgbClr val="7030A0"/>
-                            </a:solidFill>
-                          </a:ln>
-                        </p:spPr>
-                        <p:style>
-                          <a:lnRef idx="2">
-                            <a:schemeClr val="accent1">
-                              <a:shade val="50000"/>
-                            </a:schemeClr>
-                          </a:lnRef>
-                          <a:fillRef idx="1">
-                            <a:schemeClr val="accent1"/>
-                          </a:fillRef>
-                          <a:effectRef idx="0">
-                            <a:schemeClr val="accent1"/>
-                          </a:effectRef>
-                          <a:fontRef idx="minor">
-                            <a:schemeClr val="lt1"/>
-                          </a:fontRef>
-                        </p:style>
-                        <p:txBody>
-                          <a:bodyPr rtlCol="0" anchor="ctr"/>
-                          <a:p>
-                            <a:pPr algn="ctr"/>
-                            <a:endParaRPr lang="en-GB" altLang="en-US"/>
-                          </a:p>
-                        </p:txBody>
-                      </p:sp>
-                      <p:sp>
-                        <p:nvSpPr>
-                          <p:cNvPr id="22" name="Text Box 21"/>
-                          <p:cNvSpPr txBox="1"/>
-                          <p:nvPr/>
-                        </p:nvSpPr>
-                        <p:spPr>
-                          <a:xfrm>
-                            <a:off x="538" y="4542"/>
-                            <a:ext cx="1901" cy="822"/>
-                          </a:xfrm>
-                          <a:prstGeom prst="rect">
-                            <a:avLst/>
-                          </a:prstGeom>
-                          <a:noFill/>
-                        </p:spPr>
-                        <p:txBody>
-                          <a:bodyPr wrap="square" rtlCol="0">
-                            <a:spAutoFit/>
-                          </a:bodyPr>
-                          <a:p>
-                            <a:pPr algn="ctr"/>
-                            <a:r>
-                              <a:rPr lang="en-GB" altLang="en-US" sz="1400" b="1"/>
-                              <a:t>MusicCaps</a:t>
-                            </a:r>
-                            <a:endParaRPr lang="en-GB" altLang="en-US" sz="1400" b="1"/>
-                          </a:p>
-                          <a:p>
-                            <a:pPr algn="ctr"/>
-                            <a:r>
-                              <a:rPr lang="en-GB" altLang="en-US" sz="1400" b="1"/>
-                              <a:t>dataset</a:t>
-                            </a:r>
-                            <a:endParaRPr lang="en-GB" altLang="en-US" sz="1400" b="1"/>
-                          </a:p>
-                        </p:txBody>
-                      </p:sp>
-                    </p:grpSp>
-                    <p:sp>
-                      <p:nvSpPr>
-                        <p:cNvPr id="23" name="Left Brace 22"/>
-                        <p:cNvSpPr/>
-                        <p:nvPr/>
-                      </p:nvSpPr>
-                      <p:spPr>
-                        <a:xfrm>
-                          <a:off x="2469" y="2506"/>
-                          <a:ext cx="814" cy="4634"/>
-                        </a:xfrm>
-                        <a:prstGeom prst="leftBrace">
-                          <a:avLst>
-                            <a:gd name="adj1" fmla="val 82378"/>
-                            <a:gd name="adj2" fmla="val 50000"/>
-                          </a:avLst>
-                        </a:prstGeom>
-                      </p:spPr>
-                      <p:style>
-                        <a:lnRef idx="1">
-                          <a:schemeClr val="dk1"/>
-                        </a:lnRef>
-                        <a:fillRef idx="0">
-                          <a:schemeClr val="dk1"/>
-                        </a:fillRef>
-                        <a:effectRef idx="0">
-                          <a:schemeClr val="dk1"/>
-                        </a:effectRef>
-                        <a:fontRef idx="minor">
-                          <a:schemeClr val="tx1"/>
-                        </a:fontRef>
-                      </p:style>
-                      <p:txBody>
-                        <a:bodyPr rtlCol="0" anchor="ctr"/>
-                        <a:p>
-                          <a:pPr algn="ctr"/>
-                          <a:endParaRPr lang="en-GB" altLang="en-US"/>
-                        </a:p>
-                      </p:txBody>
-                    </p:sp>
-                    <p:grpSp>
-                      <p:nvGrpSpPr>
-                        <p:cNvPr id="24" name="Group 23"/>
-                        <p:cNvGrpSpPr/>
-                        <p:nvPr/>
-                      </p:nvGrpSpPr>
-                      <p:grpSpPr>
-                        <a:xfrm>
-                          <a:off x="3065" y="2677"/>
-                          <a:ext cx="1399" cy="4240"/>
-                          <a:chOff x="3080" y="2677"/>
-                          <a:chExt cx="1399" cy="4240"/>
-                        </a:xfrm>
-                      </p:grpSpPr>
-                      <p:grpSp>
-                        <p:nvGrpSpPr>
-                          <p:cNvPr id="25" name="Group 24"/>
-                          <p:cNvGrpSpPr/>
-                          <p:nvPr/>
-                        </p:nvGrpSpPr>
-                        <p:grpSpPr>
-                          <a:xfrm>
-                            <a:off x="3080" y="4243"/>
-                            <a:ext cx="1360" cy="1161"/>
-                            <a:chOff x="3087" y="4269"/>
-                            <a:chExt cx="1360" cy="1161"/>
-                          </a:xfrm>
-                        </p:grpSpPr>
-                        <p:sp>
-                          <p:nvSpPr>
-                            <p:cNvPr id="26" name="Rounded Rectangle 25"/>
-                            <p:cNvSpPr/>
-                            <p:nvPr/>
-                          </p:nvSpPr>
-                          <p:spPr>
-                            <a:xfrm>
-                              <a:off x="3160" y="4269"/>
-                              <a:ext cx="1287" cy="1108"/>
-                            </a:xfrm>
-                            <a:prstGeom prst="roundRect">
-                              <a:avLst>
-                                <a:gd name="adj" fmla="val 38357"/>
-                              </a:avLst>
-                            </a:prstGeom>
-                          </p:spPr>
-                          <p:style>
-                            <a:lnRef idx="1">
-                              <a:schemeClr val="accent1"/>
-                            </a:lnRef>
-                            <a:fillRef idx="2">
-                              <a:schemeClr val="accent1"/>
-                            </a:fillRef>
-                            <a:effectRef idx="1">
-                              <a:schemeClr val="accent1"/>
-                            </a:effectRef>
-                            <a:fontRef idx="minor">
-                              <a:schemeClr val="dk1"/>
-                            </a:fontRef>
-                          </p:style>
-                          <p:txBody>
-                            <a:bodyPr rtlCol="0" anchor="ctr"/>
-                            <a:p>
-                              <a:pPr algn="ctr"/>
-                              <a:endParaRPr lang="en-GB" altLang="en-US"/>
-                            </a:p>
-                          </p:txBody>
-                        </p:sp>
-                        <p:sp>
-                          <p:nvSpPr>
-                            <p:cNvPr id="27" name="Text Box 26"/>
-                            <p:cNvSpPr txBox="1"/>
-                            <p:nvPr/>
-                          </p:nvSpPr>
-                          <p:spPr>
-                            <a:xfrm>
-                              <a:off x="3087" y="4269"/>
-                              <a:ext cx="1360" cy="1161"/>
-                            </a:xfrm>
-                            <a:prstGeom prst="rect">
-                              <a:avLst/>
-                            </a:prstGeom>
-                            <a:noFill/>
-                          </p:spPr>
-                          <p:txBody>
-                            <a:bodyPr wrap="square" rtlCol="0" anchor="t">
-                              <a:spAutoFit/>
-                            </a:bodyPr>
-                            <a:p>
-                              <a:pPr algn="ctr"/>
-                              <a:r>
-                                <a:rPr lang="en-GB" altLang="en-US" sz="1400">
-                                  <a:sym typeface="+mn-ea"/>
-                                </a:rPr>
-                                <a:t>clips de</a:t>
-                              </a:r>
-                              <a:endParaRPr lang="en-GB" altLang="en-US" sz="1400"/>
-                            </a:p>
-                            <a:p>
-                              <a:pPr algn="ctr"/>
-                              <a:r>
-                                <a:rPr lang="en-GB" altLang="en-US" sz="1400"/>
-                                <a:t>10s de música </a:t>
-                              </a:r>
-                              <a:endParaRPr lang="en-GB" altLang="en-US" sz="1400"/>
-                            </a:p>
-                          </p:txBody>
-                        </p:sp>
-                      </p:grpSp>
-                      <p:sp>
-                        <p:nvSpPr>
-                          <p:cNvPr id="28" name="Rounded Rectangle 27"/>
-                          <p:cNvSpPr/>
-                          <p:nvPr/>
-                        </p:nvSpPr>
-                        <p:spPr>
-                          <a:xfrm>
-                            <a:off x="3416" y="3431"/>
-                            <a:ext cx="687" cy="541"/>
-                          </a:xfrm>
-                          <a:prstGeom prst="roundRect">
-                            <a:avLst>
-                              <a:gd name="adj" fmla="val 38357"/>
-                            </a:avLst>
-                          </a:prstGeom>
-                        </p:spPr>
-                        <p:style>
-                          <a:lnRef idx="1">
-                            <a:schemeClr val="accent1"/>
-                          </a:lnRef>
-                          <a:fillRef idx="2">
-                            <a:schemeClr val="accent1"/>
-                          </a:fillRef>
-                          <a:effectRef idx="1">
-                            <a:schemeClr val="accent1"/>
-                          </a:effectRef>
-                          <a:fontRef idx="minor">
-                            <a:schemeClr val="dk1"/>
-                          </a:fontRef>
-                        </p:style>
-                        <p:txBody>
-                          <a:bodyPr rtlCol="0" anchor="ctr"/>
-                          <a:p>
-                            <a:pPr algn="ctr"/>
-                            <a:endParaRPr lang="en-GB" altLang="en-US"/>
-                          </a:p>
-                        </p:txBody>
-                      </p:sp>
-                      <p:sp>
-                        <p:nvSpPr>
-                          <p:cNvPr id="29" name="Rounded Rectangle 28"/>
-                          <p:cNvSpPr/>
-                          <p:nvPr/>
-                        </p:nvSpPr>
-                        <p:spPr>
-                          <a:xfrm>
-                            <a:off x="3415" y="2677"/>
-                            <a:ext cx="687" cy="541"/>
-                          </a:xfrm>
-                          <a:prstGeom prst="roundRect">
-                            <a:avLst>
-                              <a:gd name="adj" fmla="val 38357"/>
-                            </a:avLst>
-                          </a:prstGeom>
-                        </p:spPr>
-                        <p:style>
-                          <a:lnRef idx="1">
-                            <a:schemeClr val="accent1"/>
-                          </a:lnRef>
-                          <a:fillRef idx="2">
-                            <a:schemeClr val="accent1"/>
-                          </a:fillRef>
-                          <a:effectRef idx="1">
-                            <a:schemeClr val="accent1"/>
-                          </a:effectRef>
-                          <a:fontRef idx="minor">
-                            <a:schemeClr val="dk1"/>
-                          </a:fontRef>
-                        </p:style>
-                        <p:txBody>
-                          <a:bodyPr rtlCol="0" anchor="ctr"/>
-                          <a:p>
-                            <a:pPr algn="ctr"/>
-                            <a:endParaRPr lang="en-GB" altLang="en-US"/>
-                          </a:p>
-                        </p:txBody>
-                      </p:sp>
-                      <p:sp>
-                        <p:nvSpPr>
-                          <p:cNvPr id="30" name="Rounded Rectangle 29"/>
-                          <p:cNvSpPr/>
-                          <p:nvPr/>
-                        </p:nvSpPr>
-                        <p:spPr>
-                          <a:xfrm>
-                            <a:off x="3415" y="6376"/>
-                            <a:ext cx="687" cy="541"/>
-                          </a:xfrm>
-                          <a:prstGeom prst="roundRect">
-                            <a:avLst>
-                              <a:gd name="adj" fmla="val 38357"/>
-                            </a:avLst>
-                          </a:prstGeom>
-                        </p:spPr>
-                        <p:style>
-                          <a:lnRef idx="1">
-                            <a:schemeClr val="accent1"/>
-                          </a:lnRef>
-                          <a:fillRef idx="2">
-                            <a:schemeClr val="accent1"/>
-                          </a:fillRef>
-                          <a:effectRef idx="1">
-                            <a:schemeClr val="accent1"/>
-                          </a:effectRef>
-                          <a:fontRef idx="minor">
-                            <a:schemeClr val="dk1"/>
-                          </a:fontRef>
-                        </p:style>
-                        <p:txBody>
-                          <a:bodyPr rtlCol="0" anchor="ctr"/>
-                          <a:p>
-                            <a:pPr algn="ctr"/>
-                            <a:endParaRPr lang="en-GB" altLang="en-US"/>
-                          </a:p>
-                        </p:txBody>
-                      </p:sp>
-                      <p:sp>
-                        <p:nvSpPr>
-                          <p:cNvPr id="31" name="Text Box 30"/>
-                          <p:cNvSpPr txBox="1"/>
-                          <p:nvPr/>
-                        </p:nvSpPr>
-                        <p:spPr>
-                          <a:xfrm>
-                            <a:off x="3416" y="5351"/>
-                            <a:ext cx="1063" cy="1066"/>
-                          </a:xfrm>
-                          <a:prstGeom prst="rect">
-                            <a:avLst/>
-                          </a:prstGeom>
-                          <a:noFill/>
-                        </p:spPr>
-                        <p:txBody>
-                          <a:bodyPr vert="eaVert" wrap="square" rtlCol="0">
-                            <a:spAutoFit/>
-                          </a:bodyPr>
-                          <a:p>
-                            <a:pPr algn="ctr"/>
-                            <a:r>
-                              <a:rPr lang="en-GB" altLang="en-US" sz="3200" b="1"/>
-                              <a:t>...</a:t>
-                            </a:r>
-                            <a:endParaRPr lang="en-GB" altLang="en-US" sz="3200" b="1"/>
-                          </a:p>
-                        </p:txBody>
-                      </p:sp>
-                    </p:grpSp>
-                  </p:grpSp>
-                  <p:grpSp>
-                    <p:nvGrpSpPr>
-                      <p:cNvPr id="39" name="Group 38"/>
-                      <p:cNvGrpSpPr/>
-                      <p:nvPr/>
-                    </p:nvGrpSpPr>
-                    <p:grpSpPr>
-                      <a:xfrm>
-                        <a:off x="5528" y="3714"/>
-                        <a:ext cx="2595" cy="2220"/>
-                        <a:chOff x="5099" y="3648"/>
-                        <a:chExt cx="2595" cy="2220"/>
-                      </a:xfrm>
-                    </p:grpSpPr>
-                    <p:sp>
-                      <p:nvSpPr>
-                        <p:cNvPr id="34" name="Hexagon 33"/>
-                        <p:cNvSpPr/>
-                        <p:nvPr/>
-                      </p:nvSpPr>
-                      <p:spPr>
-                        <a:xfrm>
-                          <a:off x="5099" y="3648"/>
-                          <a:ext cx="2595" cy="2220"/>
-                        </a:xfrm>
-                        <a:prstGeom prst="hexagon">
-                          <a:avLst/>
-                        </a:prstGeom>
-                      </p:spPr>
-                      <p:style>
-                        <a:lnRef idx="1">
-                          <a:schemeClr val="accent3"/>
-                        </a:lnRef>
-                        <a:fillRef idx="2">
-                          <a:schemeClr val="accent3"/>
-                        </a:fillRef>
-                        <a:effectRef idx="1">
-                          <a:schemeClr val="accent3"/>
-                        </a:effectRef>
-                        <a:fontRef idx="minor">
-                          <a:schemeClr val="dk1"/>
-                        </a:fontRef>
-                      </p:style>
-                      <p:txBody>
-                        <a:bodyPr rtlCol="0" anchor="ctr"/>
-                        <a:p>
-                          <a:pPr algn="ctr"/>
-                          <a:endParaRPr lang="en-GB" altLang="en-US"/>
-                        </a:p>
-                      </p:txBody>
-                    </p:sp>
-                    <p:sp>
-                      <p:nvSpPr>
-                        <p:cNvPr id="36" name="Text Box 35"/>
-                        <p:cNvSpPr txBox="1"/>
-                        <p:nvPr/>
-                      </p:nvSpPr>
-                      <p:spPr>
-                        <a:xfrm>
-                          <a:off x="5406" y="4223"/>
-                          <a:ext cx="1980" cy="1016"/>
-                        </a:xfrm>
-                        <a:prstGeom prst="rect">
-                          <a:avLst/>
-                        </a:prstGeom>
-                        <a:noFill/>
-                      </p:spPr>
-                      <p:txBody>
-                        <a:bodyPr wrap="square" rtlCol="0">
-                          <a:spAutoFit/>
-                        </a:bodyPr>
-                        <a:p>
-                          <a:pPr algn="ctr"/>
-                          <a:r>
-                            <a:rPr lang="en-GB" altLang="en-US"/>
-                            <a:t>Extracción</a:t>
-                          </a:r>
-                          <a:endParaRPr lang="en-GB" altLang="en-US"/>
-                        </a:p>
-                        <a:p>
-                          <a:pPr algn="ctr"/>
-                          <a:r>
-                            <a:rPr lang="en-GB" altLang="en-US"/>
-                            <a:t>de f</a:t>
-                          </a:r>
-                          <a:r>
-                            <a:rPr lang="en-GB" altLang="en-US">
-                              <a:sym typeface="+mn-ea"/>
-                            </a:rPr>
-                            <a:t>eatures</a:t>
-                          </a:r>
-                          <a:endParaRPr lang="en-GB" altLang="en-US"/>
-                        </a:p>
-                      </p:txBody>
-                    </p:sp>
-                  </p:grpSp>
-                  <p:cxnSp>
-                    <p:nvCxnSpPr>
-                      <p:cNvPr id="38" name="Straight Arrow Connector 37"/>
-                      <p:cNvCxnSpPr/>
-                      <p:nvPr/>
-                    </p:nvCxnSpPr>
-                    <p:spPr>
-                      <a:xfrm>
-                        <a:off x="4584" y="4817"/>
-                        <a:ext cx="784" cy="11"/>
-                      </a:xfrm>
-                      <a:prstGeom prst="straightConnector1">
-                        <a:avLst/>
-                      </a:prstGeom>
-                      <a:ln w="88900" cmpd="dbl">
-                        <a:solidFill>
-                          <a:schemeClr val="tx1"/>
-                        </a:solidFill>
-                        <a:tailEnd type="arrow" w="sm" len="sm"/>
-                      </a:ln>
-                    </p:spPr>
-                    <p:style>
-                      <a:lnRef idx="1">
-                        <a:schemeClr val="accent1"/>
-                      </a:lnRef>
-                      <a:fillRef idx="0">
-                        <a:schemeClr val="accent1"/>
-                      </a:fillRef>
-                      <a:effectRef idx="0">
-                        <a:schemeClr val="accent1"/>
-                      </a:effectRef>
-                      <a:fontRef idx="minor">
-                        <a:schemeClr val="tx1"/>
-                      </a:fontRef>
-                    </p:style>
-                  </p:cxnSp>
-                </p:grpSp>
-                <p:grpSp>
-                  <p:nvGrpSpPr>
-                    <p:cNvPr id="65" name="Group 64"/>
-                    <p:cNvGrpSpPr/>
-                    <p:nvPr/>
-                  </p:nvGrpSpPr>
-                  <p:grpSpPr>
-                    <a:xfrm>
-                      <a:off x="7409" y="2557"/>
-                      <a:ext cx="3867" cy="4634"/>
-                      <a:chOff x="7409" y="2557"/>
-                      <a:chExt cx="3867" cy="4634"/>
-                    </a:xfrm>
-                  </p:grpSpPr>
-                  <p:sp>
-                    <p:nvSpPr>
-                      <p:cNvPr id="42" name="Left Brace 41"/>
-                      <p:cNvSpPr/>
-                      <p:nvPr/>
-                    </p:nvSpPr>
-                    <p:spPr>
-                      <a:xfrm>
-                        <a:off x="7409" y="2557"/>
-                        <a:ext cx="814" cy="4634"/>
-                      </a:xfrm>
-                      <a:prstGeom prst="leftBrace">
-                        <a:avLst>
-                          <a:gd name="adj1" fmla="val 82378"/>
-                          <a:gd name="adj2" fmla="val 50000"/>
-                        </a:avLst>
-                      </a:prstGeom>
-                    </p:spPr>
-                    <p:style>
-                      <a:lnRef idx="1">
-                        <a:schemeClr val="dk1"/>
-                      </a:lnRef>
-                      <a:fillRef idx="0">
-                        <a:schemeClr val="dk1"/>
-                      </a:fillRef>
-                      <a:effectRef idx="0">
-                        <a:schemeClr val="dk1"/>
-                      </a:effectRef>
-                      <a:fontRef idx="minor">
-                        <a:schemeClr val="tx1"/>
-                      </a:fontRef>
-                    </p:style>
-                    <p:txBody>
-                      <a:bodyPr rtlCol="0" anchor="ctr"/>
-                      <a:p>
-                        <a:pPr algn="ctr"/>
-                        <a:endParaRPr lang="en-GB" altLang="en-US"/>
-                      </a:p>
-                    </p:txBody>
-                  </p:sp>
-                  <p:grpSp>
-                    <p:nvGrpSpPr>
-                      <p:cNvPr id="64" name="Group 63"/>
-                      <p:cNvGrpSpPr/>
-                      <p:nvPr/>
-                    </p:nvGrpSpPr>
-                    <p:grpSpPr>
-                      <a:xfrm>
-                        <a:off x="7998" y="3007"/>
-                        <a:ext cx="3278" cy="3728"/>
-                        <a:chOff x="7998" y="3007"/>
-                        <a:chExt cx="3278" cy="3728"/>
-                      </a:xfrm>
-                    </p:grpSpPr>
-                    <p:grpSp>
-                      <p:nvGrpSpPr>
-                        <p:cNvPr id="55" name="Group 54"/>
-                        <p:cNvGrpSpPr/>
-                        <p:nvPr/>
-                      </p:nvGrpSpPr>
-                      <p:grpSpPr>
-                        <a:xfrm>
-                          <a:off x="7998" y="3007"/>
-                          <a:ext cx="3278" cy="2512"/>
-                          <a:chOff x="7906" y="2669"/>
-                          <a:chExt cx="3278" cy="2512"/>
-                        </a:xfrm>
-                      </p:grpSpPr>
-                      <p:sp>
-                        <p:nvSpPr>
-                          <p:cNvPr id="43" name="Text Box 42"/>
-                          <p:cNvSpPr txBox="1"/>
-                          <p:nvPr/>
-                        </p:nvSpPr>
-                        <p:spPr>
-                          <a:xfrm>
-                            <a:off x="7906" y="2669"/>
-                            <a:ext cx="2169" cy="628"/>
-                          </a:xfrm>
-                          <a:prstGeom prst="rect">
-                            <a:avLst/>
-                          </a:prstGeom>
-                          <a:noFill/>
-                        </p:spPr>
-                        <p:txBody>
-                          <a:bodyPr wrap="square" rtlCol="0" anchor="t">
-                            <a:spAutoFit/>
-                          </a:bodyPr>
-                          <a:p>
-                            <a:pPr marL="171450" indent="-171450">
-                              <a:buFont typeface="Arial" panose="020B0604020202020204" pitchFamily="34" charset="0"/>
-                              <a:buChar char="•"/>
-                            </a:pPr>
-                            <a:r>
-                              <a:rPr lang="en-GB" altLang="en-US" sz="1000"/>
-                              <a:t>género: </a:t>
-                            </a:r>
-                            <a:endParaRPr lang="en-GB" altLang="en-US" sz="1000"/>
-                          </a:p>
-                          <a:p>
-                            <a:pPr indent="0">
-                              <a:buFont typeface="Arial" panose="020B0604020202020204" pitchFamily="34" charset="0"/>
-                              <a:buNone/>
-                            </a:pPr>
-                            <a:r>
-                              <a:rPr lang="en-GB" altLang="en-US" sz="1000"/>
-                              <a:t>       &lt;genre tag&gt; </a:t>
-                            </a:r>
-                            <a:endParaRPr lang="en-GB" altLang="en-US" sz="1000"/>
-                          </a:p>
-                        </p:txBody>
-                      </p:sp>
-                      <p:sp>
-                        <p:nvSpPr>
-                          <p:cNvPr id="45" name="Text Box 44"/>
-                          <p:cNvSpPr txBox="1"/>
-                          <p:nvPr/>
-                        </p:nvSpPr>
-                        <p:spPr>
-                          <a:xfrm>
-                            <a:off x="7906" y="3297"/>
-                            <a:ext cx="3278" cy="628"/>
-                          </a:xfrm>
-                          <a:prstGeom prst="rect">
-                            <a:avLst/>
-                          </a:prstGeom>
-                          <a:noFill/>
-                        </p:spPr>
-                        <p:txBody>
-                          <a:bodyPr wrap="square" rtlCol="0" anchor="t">
-                            <a:spAutoFit/>
-                          </a:bodyPr>
-                          <a:p>
-                            <a:pPr marL="171450" indent="-171450">
-                              <a:buFont typeface="Arial" panose="020B0604020202020204" pitchFamily="34" charset="0"/>
-                              <a:buChar char="•"/>
-                            </a:pPr>
-                            <a:r>
-                              <a:rPr lang="en-GB" altLang="en-US" sz="1000"/>
-                              <a:t>danceabilidad: </a:t>
-                            </a:r>
-                            <a:endParaRPr lang="en-GB" altLang="en-US" sz="1000"/>
-                          </a:p>
-                          <a:p>
-                            <a:pPr indent="0">
-                              <a:buFont typeface="Arial" panose="020B0604020202020204" pitchFamily="34" charset="0"/>
-                              <a:buNone/>
-                            </a:pPr>
-                            <a:r>
-                              <a:rPr lang="en-GB" altLang="en-US" sz="1000"/>
-                              <a:t>       &lt;</a:t>
-                            </a:r>
-                            <a:r>
-                              <a:rPr lang="en-GB" altLang="en-US" sz="1000">
-                                <a:sym typeface="+mn-ea"/>
-                              </a:rPr>
-                              <a:t>danceability </a:t>
-                            </a:r>
-                            <a:r>
-                              <a:rPr lang="en-GB" altLang="en-US" sz="1000"/>
-                              <a:t>tag&gt; </a:t>
-                            </a:r>
-                            <a:endParaRPr lang="en-GB" altLang="en-US" sz="1000"/>
-                          </a:p>
-                        </p:txBody>
-                      </p:sp>
-                      <p:sp>
-                        <p:nvSpPr>
-                          <p:cNvPr id="46" name="Text Box 45"/>
-                          <p:cNvSpPr txBox="1"/>
-                          <p:nvPr/>
-                        </p:nvSpPr>
-                        <p:spPr>
-                          <a:xfrm>
-                            <a:off x="7906" y="3925"/>
-                            <a:ext cx="2358" cy="628"/>
-                          </a:xfrm>
-                          <a:prstGeom prst="rect">
-                            <a:avLst/>
-                          </a:prstGeom>
-                          <a:noFill/>
-                        </p:spPr>
-                        <p:txBody>
-                          <a:bodyPr wrap="square" rtlCol="0" anchor="t">
-                            <a:spAutoFit/>
-                          </a:bodyPr>
-                          <a:p>
-                            <a:pPr marL="171450" indent="-171450">
-                              <a:buFont typeface="Arial" panose="020B0604020202020204" pitchFamily="34" charset="0"/>
-                              <a:buChar char="•"/>
-                            </a:pPr>
-                            <a:r>
-                              <a:rPr lang="en-GB" altLang="en-US" sz="1000"/>
-                              <a:t>tema: </a:t>
-                            </a:r>
-                            <a:endParaRPr lang="en-GB" altLang="en-US" sz="1000"/>
-                          </a:p>
-                          <a:p>
-                            <a:pPr indent="0">
-                              <a:buFont typeface="Arial" panose="020B0604020202020204" pitchFamily="34" charset="0"/>
-                              <a:buNone/>
-                            </a:pPr>
-                            <a:r>
-                              <a:rPr lang="en-GB" altLang="en-US" sz="1000"/>
-                              <a:t>       &lt;theme tags&gt; </a:t>
-                            </a:r>
-                            <a:endParaRPr lang="en-GB" altLang="en-US" sz="1000"/>
-                          </a:p>
-                        </p:txBody>
-                      </p:sp>
-                      <p:sp>
-                        <p:nvSpPr>
-                          <p:cNvPr id="48" name="Text Box 47"/>
-                          <p:cNvSpPr txBox="1"/>
-                          <p:nvPr/>
-                        </p:nvSpPr>
-                        <p:spPr>
-                          <a:xfrm>
-                            <a:off x="7906" y="4553"/>
-                            <a:ext cx="2004" cy="628"/>
-                          </a:xfrm>
-                          <a:prstGeom prst="rect">
-                            <a:avLst/>
-                          </a:prstGeom>
-                          <a:noFill/>
-                        </p:spPr>
-                        <p:txBody>
-                          <a:bodyPr wrap="square" rtlCol="0" anchor="t">
-                            <a:spAutoFit/>
-                          </a:bodyPr>
-                          <a:p>
-                            <a:pPr marL="171450" indent="-171450">
-                              <a:buFont typeface="Arial" panose="020B0604020202020204" pitchFamily="34" charset="0"/>
-                              <a:buChar char="•"/>
-                            </a:pPr>
-                            <a:r>
-                              <a:rPr lang="en-GB" altLang="en-US" sz="1000"/>
-                              <a:t>género de la voz:</a:t>
-                            </a:r>
-                            <a:endParaRPr lang="en-GB" altLang="en-US" sz="1000"/>
-                          </a:p>
-                          <a:p>
-                            <a:pPr indent="0">
-                              <a:buFont typeface="Arial" panose="020B0604020202020204" pitchFamily="34" charset="0"/>
-                              <a:buNone/>
-                            </a:pPr>
-                            <a:r>
-                              <a:rPr lang="en-GB" altLang="en-US" sz="1000"/>
-                              <a:t>       &lt;</a:t>
-                            </a:r>
-                            <a:r>
-                              <a:rPr lang="en-GB" altLang="en-US" sz="1000">
-                                <a:sym typeface="+mn-ea"/>
-                              </a:rPr>
-                              <a:t>gender </a:t>
-                            </a:r>
-                            <a:r>
-                              <a:rPr lang="en-GB" altLang="en-US" sz="1000"/>
-                              <a:t>tag&gt; </a:t>
-                            </a:r>
-                            <a:endParaRPr lang="en-GB" altLang="en-US" sz="1000"/>
-                          </a:p>
-                        </p:txBody>
-                      </p:sp>
-                    </p:grpSp>
-                    <p:sp>
-                      <p:nvSpPr>
-                        <p:cNvPr id="49" name="Text Box 48"/>
-                        <p:cNvSpPr txBox="1"/>
-                        <p:nvPr/>
-                      </p:nvSpPr>
-                      <p:spPr>
-                        <a:xfrm>
-                          <a:off x="8103" y="5669"/>
-                          <a:ext cx="1063" cy="1066"/>
-                        </a:xfrm>
-                        <a:prstGeom prst="rect">
-                          <a:avLst/>
-                        </a:prstGeom>
-                        <a:noFill/>
-                      </p:spPr>
-                      <p:txBody>
-                        <a:bodyPr vert="eaVert" wrap="square" rtlCol="0">
-                          <a:spAutoFit/>
-                        </a:bodyPr>
-                        <a:p>
-                          <a:pPr algn="ctr"/>
-                          <a:r>
-                            <a:rPr lang="en-GB" altLang="en-US" sz="3200" b="1"/>
-                            <a:t>...</a:t>
-                          </a:r>
-                          <a:endParaRPr lang="en-GB" altLang="en-US" sz="3200" b="1"/>
-                        </a:p>
-                      </p:txBody>
-                    </p:sp>
-                  </p:grpSp>
-                </p:grpSp>
-                <p:grpSp>
-                  <p:nvGrpSpPr>
-                    <p:cNvPr id="62" name="Group 61"/>
-                    <p:cNvGrpSpPr/>
-                    <p:nvPr/>
-                  </p:nvGrpSpPr>
-                  <p:grpSpPr>
-                    <a:xfrm rot="0">
-                      <a:off x="10887" y="2727"/>
-                      <a:ext cx="2595" cy="2220"/>
-                      <a:chOff x="10887" y="2727"/>
-                      <a:chExt cx="2595" cy="2220"/>
-                    </a:xfrm>
-                  </p:grpSpPr>
-                  <p:sp>
-                    <p:nvSpPr>
-                      <p:cNvPr id="59" name="Hexagon 58"/>
-                      <p:cNvSpPr/>
-                      <p:nvPr/>
-                    </p:nvSpPr>
-                    <p:spPr>
-                      <a:xfrm>
-                        <a:off x="10887" y="2727"/>
-                        <a:ext cx="2595" cy="2220"/>
-                      </a:xfrm>
-                      <a:prstGeom prst="hexagon">
-                        <a:avLst/>
-                      </a:prstGeom>
-                    </p:spPr>
-                    <p:style>
-                      <a:lnRef idx="1">
-                        <a:schemeClr val="accent3"/>
-                      </a:lnRef>
-                      <a:fillRef idx="2">
-                        <a:schemeClr val="accent3"/>
-                      </a:fillRef>
-                      <a:effectRef idx="1">
-                        <a:schemeClr val="accent3"/>
-                      </a:effectRef>
-                      <a:fontRef idx="minor">
-                        <a:schemeClr val="dk1"/>
-                      </a:fontRef>
-                    </p:style>
-                    <p:txBody>
-                      <a:bodyPr rtlCol="0" anchor="ctr"/>
-                      <a:p>
-                        <a:pPr algn="ctr"/>
-                        <a:endParaRPr lang="en-GB" altLang="en-US"/>
-                      </a:p>
-                    </p:txBody>
-                  </p:sp>
-                  <p:sp>
-                    <p:nvSpPr>
-                      <p:cNvPr id="61" name="Text Box 60"/>
-                      <p:cNvSpPr txBox="1"/>
-                      <p:nvPr/>
-                    </p:nvSpPr>
-                    <p:spPr>
-                      <a:xfrm>
-                        <a:off x="11221" y="2893"/>
-                        <a:ext cx="2018" cy="1840"/>
-                      </a:xfrm>
-                      <a:prstGeom prst="rect">
-                        <a:avLst/>
-                      </a:prstGeom>
-                      <a:noFill/>
-                    </p:spPr>
-                    <p:txBody>
-                      <a:bodyPr wrap="square" rtlCol="0">
-                        <a:spAutoFit/>
-                      </a:bodyPr>
-                      <a:p>
-                        <a:pPr algn="ctr"/>
-                        <a:r>
-                          <a:rPr lang="en-GB" altLang="en-US" sz="1400"/>
-                          <a:t>Conversión de tags en una </a:t>
-                        </a:r>
-                        <a:r>
-                          <a:rPr lang="en-GB" altLang="en-US" sz="1400" b="1" i="1"/>
-                          <a:t>descripci</a:t>
-                        </a:r>
-                        <a:r>
-                          <a:rPr lang="en-GB" altLang="en-US" sz="1400" b="1" i="1">
-                            <a:sym typeface="+mn-ea"/>
-                          </a:rPr>
-                          <a:t>ón</a:t>
-                        </a:r>
-                        <a:r>
-                          <a:rPr lang="en-GB" altLang="en-US" sz="1400">
-                            <a:sym typeface="+mn-ea"/>
-                          </a:rPr>
-                          <a:t> en </a:t>
-                        </a:r>
-                        <a:r>
-                          <a:rPr lang="en-GB" altLang="en-US" sz="1400"/>
-                          <a:t>lenguaje natural</a:t>
-                        </a:r>
-                        <a:endParaRPr lang="en-GB" altLang="en-US" sz="1400"/>
-                      </a:p>
-                    </p:txBody>
-                  </p:sp>
-                </p:grpSp>
-              </p:grpSp>
-              <p:sp>
-                <p:nvSpPr>
-                  <p:cNvPr id="67" name="Left Brace 66"/>
-                  <p:cNvSpPr/>
-                  <p:nvPr/>
-                </p:nvSpPr>
-                <p:spPr>
-                  <a:xfrm flipH="1">
-                    <a:off x="9802" y="0"/>
-                    <a:ext cx="814" cy="4634"/>
-                  </a:xfrm>
-                  <a:prstGeom prst="leftBrace">
-                    <a:avLst>
-                      <a:gd name="adj1" fmla="val 82378"/>
-                      <a:gd name="adj2" fmla="val 27665"/>
-                    </a:avLst>
-                  </a:prstGeom>
-                </p:spPr>
-                <p:style>
-                  <a:lnRef idx="1">
-                    <a:schemeClr val="dk1"/>
-                  </a:lnRef>
-                  <a:fillRef idx="0">
-                    <a:schemeClr val="dk1"/>
-                  </a:fillRef>
-                  <a:effectRef idx="0">
-                    <a:schemeClr val="dk1"/>
-                  </a:effectRef>
-                  <a:fontRef idx="minor">
-                    <a:schemeClr val="tx1"/>
-                  </a:fontRef>
-                </p:style>
-                <p:txBody>
-                  <a:bodyPr rtlCol="0" anchor="ctr"/>
-                  <a:p>
-                    <a:pPr algn="ctr"/>
-                    <a:endParaRPr lang="en-GB" altLang="en-US"/>
-                  </a:p>
-                </p:txBody>
-              </p:sp>
-            </p:grpSp>
-            <p:cxnSp>
-              <p:nvCxnSpPr>
-                <p:cNvPr id="74" name="Straight Arrow Connector 73"/>
-                <p:cNvCxnSpPr/>
-                <p:nvPr/>
-              </p:nvCxnSpPr>
+              </p:nvSpPr>
               <p:spPr>
                 <a:xfrm>
-                  <a:off x="13333" y="1802"/>
-                  <a:ext cx="765" cy="360"/>
+                  <a:off x="11485" y="2883"/>
+                  <a:ext cx="1312" cy="1520"/>
                 </a:xfrm>
-                <a:prstGeom prst="straightConnector1">
-                  <a:avLst/>
+                <a:prstGeom prst="can">
+                  <a:avLst>
+                    <a:gd name="adj" fmla="val 31822"/>
+                  </a:avLst>
                 </a:prstGeom>
-                <a:ln w="19050" cmpd="sng">
+                <a:solidFill>
+                  <a:srgbClr val="19A382"/>
+                </a:solidFill>
+                <a:ln>
                   <a:solidFill>
-                    <a:schemeClr val="tx1">
-                      <a:lumMod val="85000"/>
-                      <a:lumOff val="15000"/>
-                    </a:schemeClr>
+                    <a:srgbClr val="19A382"/>
                   </a:solidFill>
-                  <a:prstDash val="dash"/>
-                  <a:tailEnd type="triangle"/>
                 </a:ln>
               </p:spPr>
               <p:style>
-                <a:lnRef idx="1">
-                  <a:schemeClr val="accent1"/>
+                <a:lnRef idx="2">
+                  <a:schemeClr val="accent1">
+                    <a:shade val="50000"/>
+                  </a:schemeClr>
                 </a:lnRef>
-                <a:fillRef idx="0">
+                <a:fillRef idx="1">
                   <a:schemeClr val="accent1"/>
                 </a:fillRef>
                 <a:effectRef idx="0">
                   <a:schemeClr val="accent1"/>
                 </a:effectRef>
                 <a:fontRef idx="minor">
-                  <a:schemeClr val="tx1"/>
+                  <a:schemeClr val="lt1"/>
                 </a:fontRef>
               </p:style>
-            </p:cxnSp>
-            <p:cxnSp>
-              <p:nvCxnSpPr>
-                <p:cNvPr id="75" name="Straight Arrow Connector 74"/>
-                <p:cNvCxnSpPr/>
+              <p:txBody>
+                <a:bodyPr rtlCol="0" anchor="ctr"/>
+                <a:p>
+                  <a:pPr algn="ctr"/>
+                  <a:endParaRPr lang="en-GB" altLang="en-US"/>
+                </a:p>
+              </p:txBody>
+            </p:sp>
+            <p:sp>
+              <p:nvSpPr>
+                <p:cNvPr id="78" name="Text Box 77"/>
+                <p:cNvSpPr txBox="1"/>
                 <p:nvPr/>
-              </p:nvCxnSpPr>
+              </p:nvSpPr>
               <p:spPr>
-                <a:xfrm flipH="1">
-                  <a:off x="12979" y="3053"/>
-                  <a:ext cx="1104" cy="538"/>
+                <a:xfrm>
+                  <a:off x="11342" y="3413"/>
+                  <a:ext cx="1598" cy="725"/>
                 </a:xfrm>
-                <a:prstGeom prst="straightConnector1">
+                <a:prstGeom prst="rect">
                   <a:avLst/>
                 </a:prstGeom>
-                <a:ln w="19050" cmpd="sng">
-                  <a:solidFill>
-                    <a:schemeClr val="tx1">
-                      <a:lumMod val="85000"/>
-                      <a:lumOff val="15000"/>
-                    </a:schemeClr>
-                  </a:solidFill>
-                  <a:prstDash val="dash"/>
-                  <a:tailEnd type="triangle"/>
-                </a:ln>
+                <a:noFill/>
               </p:spPr>
-              <p:style>
-                <a:lnRef idx="1">
-                  <a:schemeClr val="accent1"/>
-                </a:lnRef>
-                <a:fillRef idx="0">
-                  <a:schemeClr val="accent1"/>
-                </a:fillRef>
-                <a:effectRef idx="0">
-                  <a:schemeClr val="accent1"/>
-                </a:effectRef>
-                <a:fontRef idx="minor">
-                  <a:schemeClr val="tx1"/>
-                </a:fontRef>
-              </p:style>
-            </p:cxnSp>
-            <p:grpSp>
-              <p:nvGrpSpPr>
-                <p:cNvPr id="79" name="Group 78"/>
-                <p:cNvGrpSpPr/>
-                <p:nvPr/>
-              </p:nvGrpSpPr>
-              <p:grpSpPr>
-                <a:xfrm rot="0">
-                  <a:off x="11327" y="2883"/>
-                  <a:ext cx="1598" cy="1520"/>
-                  <a:chOff x="11342" y="2883"/>
-                  <a:chExt cx="1598" cy="1520"/>
-                </a:xfrm>
-              </p:grpSpPr>
-              <p:sp>
-                <p:nvSpPr>
-                  <p:cNvPr id="77" name="Can 76"/>
-                  <p:cNvSpPr/>
-                  <p:nvPr/>
-                </p:nvSpPr>
-                <p:spPr>
-                  <a:xfrm>
-                    <a:off x="11485" y="2883"/>
-                    <a:ext cx="1312" cy="1520"/>
-                  </a:xfrm>
-                  <a:prstGeom prst="can">
-                    <a:avLst>
-                      <a:gd name="adj" fmla="val 31822"/>
-                    </a:avLst>
-                  </a:prstGeom>
-                  <a:solidFill>
-                    <a:srgbClr val="19A382"/>
-                  </a:solidFill>
-                  <a:ln>
-                    <a:solidFill>
-                      <a:srgbClr val="19A382"/>
-                    </a:solidFill>
-                  </a:ln>
-                </p:spPr>
-                <p:style>
-                  <a:lnRef idx="2">
-                    <a:schemeClr val="accent1">
-                      <a:shade val="50000"/>
-                    </a:schemeClr>
-                  </a:lnRef>
-                  <a:fillRef idx="1">
-                    <a:schemeClr val="accent1"/>
-                  </a:fillRef>
-                  <a:effectRef idx="0">
-                    <a:schemeClr val="accent1"/>
-                  </a:effectRef>
-                  <a:fontRef idx="minor">
-                    <a:schemeClr val="lt1"/>
-                  </a:fontRef>
-                </p:style>
-                <p:txBody>
-                  <a:bodyPr rtlCol="0" anchor="ctr"/>
-                  <a:p>
-                    <a:pPr algn="ctr"/>
-                    <a:endParaRPr lang="en-GB" altLang="en-US"/>
-                  </a:p>
-                </p:txBody>
-              </p:sp>
-              <p:sp>
-                <p:nvSpPr>
-                  <p:cNvPr id="78" name="Text Box 77"/>
-                  <p:cNvSpPr txBox="1"/>
-                  <p:nvPr/>
-                </p:nvSpPr>
-                <p:spPr>
-                  <a:xfrm>
-                    <a:off x="11342" y="3413"/>
-                    <a:ext cx="1598" cy="725"/>
-                  </a:xfrm>
-                  <a:prstGeom prst="rect">
-                    <a:avLst/>
-                  </a:prstGeom>
-                  <a:noFill/>
-                </p:spPr>
-                <p:txBody>
-                  <a:bodyPr wrap="square" rtlCol="0">
-                    <a:spAutoFit/>
-                  </a:bodyPr>
-                  <a:p>
-                    <a:pPr algn="ctr"/>
-                    <a:r>
-                      <a:rPr lang="en-GB" altLang="en-US" sz="1200" b="1"/>
-                      <a:t>Corpus embeddings</a:t>
-                    </a:r>
-                    <a:endParaRPr lang="en-GB" altLang="en-US" sz="1200" b="1"/>
-                  </a:p>
-                </p:txBody>
-              </p:sp>
-            </p:grpSp>
+              <p:txBody>
+                <a:bodyPr wrap="square" rtlCol="0">
+                  <a:spAutoFit/>
+                </a:bodyPr>
+                <a:p>
+                  <a:pPr algn="ctr"/>
+                  <a:r>
+                    <a:rPr lang="en-GB" altLang="en-US" sz="1200" b="1"/>
+                    <a:t>Corpus embeddings</a:t>
+                  </a:r>
+                  <a:endParaRPr lang="en-GB" altLang="en-US" sz="1200" b="1"/>
+                </a:p>
+              </p:txBody>
+            </p:sp>
           </p:grpSp>
           <p:grpSp>
             <p:nvGrpSpPr>
@@ -4372,8 +4351,8 @@
               <p:nvPr/>
             </p:nvGrpSpPr>
             <p:grpSpPr>
-              <a:xfrm>
-                <a:off x="15768" y="1001"/>
+              <a:xfrm rot="0">
+                <a:off x="15378" y="2509"/>
                 <a:ext cx="4532" cy="3182"/>
                 <a:chOff x="15768" y="1001"/>
                 <a:chExt cx="4532" cy="3182"/>
@@ -4395,10 +4374,7 @@
                 </a:prstGeom>
                 <a:ln w="19050" cmpd="sng">
                   <a:solidFill>
-                    <a:schemeClr val="tx1">
-                      <a:lumMod val="85000"/>
-                      <a:lumOff val="15000"/>
-                    </a:schemeClr>
+                    <a:srgbClr val="FFCB2B"/>
                   </a:solidFill>
                   <a:prstDash val="dash"/>
                   <a:tailEnd type="triangle"/>
@@ -4449,10 +4425,7 @@
                   </a:prstGeom>
                   <a:ln w="19050" cmpd="sng">
                     <a:solidFill>
-                      <a:schemeClr val="tx1">
-                        <a:lumMod val="85000"/>
-                        <a:lumOff val="15000"/>
-                      </a:schemeClr>
+                      <a:srgbClr val="FFCB2B"/>
                     </a:solidFill>
                     <a:prstDash val="dash"/>
                     <a:tailEnd type="triangle"/>
@@ -4716,11 +4689,11 @@
                     <a:avLst/>
                   </a:prstGeom>
                   <a:solidFill>
-                    <a:srgbClr val="74C7B3"/>
+                    <a:srgbClr val="FFD582"/>
                   </a:solidFill>
                   <a:ln>
                     <a:solidFill>
-                      <a:srgbClr val="19A382"/>
+                      <a:srgbClr val="FFCB2B"/>
                     </a:solidFill>
                   </a:ln>
                 </p:spPr>
@@ -4790,265 +4763,130 @@
               </p:sp>
             </p:grpSp>
           </p:grpSp>
-        </p:grpSp>
-        <p:grpSp>
-          <p:nvGrpSpPr>
-            <p:cNvPr id="57" name="Group 56"/>
-            <p:cNvGrpSpPr/>
-            <p:nvPr/>
-          </p:nvGrpSpPr>
-          <p:grpSpPr>
-            <a:xfrm>
-              <a:off x="12458" y="4482"/>
-              <a:ext cx="7659" cy="3316"/>
-              <a:chOff x="12458" y="4482"/>
-              <a:chExt cx="7659" cy="3316"/>
-            </a:xfrm>
-          </p:grpSpPr>
           <p:grpSp>
             <p:nvGrpSpPr>
-              <p:cNvPr id="33" name="Group 32"/>
+              <p:cNvPr id="57" name="Group 56"/>
               <p:cNvGrpSpPr/>
               <p:nvPr/>
             </p:nvGrpSpPr>
             <p:grpSpPr>
               <a:xfrm rot="0">
-                <a:off x="12458" y="4482"/>
-                <a:ext cx="4816" cy="3316"/>
+                <a:off x="12068" y="5990"/>
+                <a:ext cx="7659" cy="3316"/>
                 <a:chOff x="12458" y="4482"/>
-                <a:chExt cx="4816" cy="3316"/>
+                <a:chExt cx="7659" cy="3316"/>
               </a:xfrm>
             </p:grpSpPr>
-            <p:cxnSp>
-              <p:nvCxnSpPr>
-                <p:cNvPr id="14" name="Straight Arrow Connector 13"/>
-                <p:cNvCxnSpPr/>
-                <p:nvPr/>
-              </p:nvCxnSpPr>
-              <p:spPr>
-                <a:xfrm>
-                  <a:off x="12458" y="4482"/>
-                  <a:ext cx="897" cy="1306"/>
-                </a:xfrm>
-                <a:prstGeom prst="straightConnector1">
-                  <a:avLst/>
-                </a:prstGeom>
-                <a:ln w="88900" cmpd="dbl">
-                  <a:solidFill>
-                    <a:schemeClr val="tx1"/>
-                  </a:solidFill>
-                  <a:tailEnd type="arrow" w="med" len="sm"/>
-                </a:ln>
-              </p:spPr>
-              <p:style>
-                <a:lnRef idx="1">
-                  <a:schemeClr val="accent1"/>
-                </a:lnRef>
-                <a:fillRef idx="0">
-                  <a:schemeClr val="accent1"/>
-                </a:fillRef>
-                <a:effectRef idx="0">
-                  <a:schemeClr val="accent1"/>
-                </a:effectRef>
-                <a:fontRef idx="minor">
-                  <a:schemeClr val="tx1"/>
-                </a:fontRef>
-              </p:style>
-            </p:cxnSp>
-            <p:cxnSp>
-              <p:nvCxnSpPr>
-                <p:cNvPr id="16" name="Straight Arrow Connector 15"/>
-                <p:cNvCxnSpPr/>
-                <p:nvPr/>
-              </p:nvCxnSpPr>
-              <p:spPr>
-                <a:xfrm flipH="1">
-                  <a:off x="16378" y="4482"/>
-                  <a:ext cx="897" cy="1306"/>
-                </a:xfrm>
-                <a:prstGeom prst="straightConnector1">
-                  <a:avLst/>
-                </a:prstGeom>
-                <a:ln w="88900" cmpd="dbl">
-                  <a:solidFill>
-                    <a:schemeClr val="tx1"/>
-                  </a:solidFill>
-                  <a:tailEnd type="arrow" w="med" len="sm"/>
-                </a:ln>
-              </p:spPr>
-              <p:style>
-                <a:lnRef idx="1">
-                  <a:schemeClr val="accent1"/>
-                </a:lnRef>
-                <a:fillRef idx="0">
-                  <a:schemeClr val="accent1"/>
-                </a:fillRef>
-                <a:effectRef idx="0">
-                  <a:schemeClr val="accent1"/>
-                </a:effectRef>
-                <a:fontRef idx="minor">
-                  <a:schemeClr val="tx1"/>
-                </a:fontRef>
-              </p:style>
-            </p:cxnSp>
-            <p:sp>
-              <p:nvSpPr>
-                <p:cNvPr id="18" name="Hexagon 17"/>
-                <p:cNvSpPr/>
-                <p:nvPr/>
-              </p:nvSpPr>
-              <p:spPr>
-                <a:xfrm>
-                  <a:off x="13569" y="5578"/>
-                  <a:ext cx="2595" cy="2220"/>
-                </a:xfrm>
-                <a:prstGeom prst="hexagon">
-                  <a:avLst/>
-                </a:prstGeom>
-              </p:spPr>
-              <p:style>
-                <a:lnRef idx="1">
-                  <a:schemeClr val="accent3"/>
-                </a:lnRef>
-                <a:fillRef idx="2">
-                  <a:schemeClr val="accent3"/>
-                </a:fillRef>
-                <a:effectRef idx="1">
-                  <a:schemeClr val="accent3"/>
-                </a:effectRef>
-                <a:fontRef idx="minor">
-                  <a:schemeClr val="dk1"/>
-                </a:fontRef>
-              </p:style>
-              <p:txBody>
-                <a:bodyPr rtlCol="0" anchor="ctr"/>
-                <a:p>
-                  <a:pPr algn="ctr"/>
-                  <a:endParaRPr lang="en-GB" altLang="en-US"/>
-                </a:p>
-              </p:txBody>
-            </p:sp>
-            <p:sp>
-              <p:nvSpPr>
-                <p:cNvPr id="19" name="Text Box 18"/>
-                <p:cNvSpPr txBox="1"/>
-                <p:nvPr/>
-              </p:nvSpPr>
-              <p:spPr>
-                <a:xfrm>
-                  <a:off x="13950" y="5788"/>
-                  <a:ext cx="1848" cy="1840"/>
-                </a:xfrm>
-                <a:prstGeom prst="rect">
-                  <a:avLst/>
-                </a:prstGeom>
-                <a:noFill/>
-              </p:spPr>
-              <p:txBody>
-                <a:bodyPr wrap="square" rtlCol="0">
-                  <a:spAutoFit/>
-                </a:bodyPr>
-                <a:p>
-                  <a:pPr algn="ctr"/>
-                  <a:r>
-                    <a:rPr lang="en-GB" altLang="en-US" sz="1400">
-                      <a:sym typeface="+mn-ea"/>
-                    </a:rPr>
-                    <a:t>Comparación y ranking utilizando similitud de coseno</a:t>
-                  </a:r>
-                  <a:endParaRPr lang="en-GB" altLang="en-US" sz="1400"/>
-                </a:p>
-              </p:txBody>
-            </p:sp>
-          </p:grpSp>
-          <p:grpSp>
-            <p:nvGrpSpPr>
-              <p:cNvPr id="56" name="Group 55"/>
-              <p:cNvGrpSpPr/>
-              <p:nvPr/>
-            </p:nvGrpSpPr>
-            <p:grpSpPr>
-              <a:xfrm>
-                <a:off x="16263" y="6011"/>
-                <a:ext cx="3855" cy="1394"/>
-                <a:chOff x="16263" y="6011"/>
-                <a:chExt cx="3855" cy="1394"/>
-              </a:xfrm>
-            </p:grpSpPr>
-            <p:cxnSp>
-              <p:nvCxnSpPr>
-                <p:cNvPr id="51" name="Straight Arrow Connector 50"/>
-                <p:cNvCxnSpPr/>
-                <p:nvPr/>
-              </p:nvCxnSpPr>
-              <p:spPr>
-                <a:xfrm>
-                  <a:off x="16263" y="6708"/>
-                  <a:ext cx="1407" cy="0"/>
-                </a:xfrm>
-                <a:prstGeom prst="straightConnector1">
-                  <a:avLst/>
-                </a:prstGeom>
-                <a:ln w="88900" cmpd="dbl">
-                  <a:solidFill>
-                    <a:schemeClr val="tx1"/>
-                  </a:solidFill>
-                  <a:tailEnd type="arrow" w="med" len="sm"/>
-                </a:ln>
-              </p:spPr>
-              <p:style>
-                <a:lnRef idx="1">
-                  <a:schemeClr val="accent1"/>
-                </a:lnRef>
-                <a:fillRef idx="0">
-                  <a:schemeClr val="accent1"/>
-                </a:fillRef>
-                <a:effectRef idx="0">
-                  <a:schemeClr val="accent1"/>
-                </a:effectRef>
-                <a:fontRef idx="minor">
-                  <a:schemeClr val="tx1"/>
-                </a:fontRef>
-              </p:style>
-            </p:cxnSp>
             <p:grpSp>
               <p:nvGrpSpPr>
-                <p:cNvPr id="54" name="Group 53"/>
+                <p:cNvPr id="33" name="Group 32"/>
                 <p:cNvGrpSpPr/>
                 <p:nvPr/>
               </p:nvGrpSpPr>
               <p:grpSpPr>
-                <a:xfrm>
-                  <a:off x="17868" y="6011"/>
-                  <a:ext cx="2250" cy="1394"/>
-                  <a:chOff x="17868" y="6108"/>
-                  <a:chExt cx="2250" cy="1394"/>
+                <a:xfrm rot="0">
+                  <a:off x="12458" y="4482"/>
+                  <a:ext cx="4816" cy="3316"/>
+                  <a:chOff x="12458" y="4482"/>
+                  <a:chExt cx="4816" cy="3316"/>
                 </a:xfrm>
               </p:grpSpPr>
+              <p:cxnSp>
+                <p:nvCxnSpPr>
+                  <p:cNvPr id="14" name="Straight Arrow Connector 13"/>
+                  <p:cNvCxnSpPr/>
+                  <p:nvPr/>
+                </p:nvCxnSpPr>
+                <p:spPr>
+                  <a:xfrm>
+                    <a:off x="12458" y="4482"/>
+                    <a:ext cx="897" cy="1306"/>
+                  </a:xfrm>
+                  <a:prstGeom prst="straightConnector1">
+                    <a:avLst/>
+                  </a:prstGeom>
+                  <a:ln w="88900" cmpd="dbl">
+                    <a:solidFill>
+                      <a:schemeClr val="tx1"/>
+                    </a:solidFill>
+                    <a:tailEnd type="arrow" w="med" len="sm"/>
+                  </a:ln>
+                </p:spPr>
+                <p:style>
+                  <a:lnRef idx="1">
+                    <a:schemeClr val="accent1"/>
+                  </a:lnRef>
+                  <a:fillRef idx="0">
+                    <a:schemeClr val="accent1"/>
+                  </a:fillRef>
+                  <a:effectRef idx="0">
+                    <a:schemeClr val="accent1"/>
+                  </a:effectRef>
+                  <a:fontRef idx="minor">
+                    <a:schemeClr val="tx1"/>
+                  </a:fontRef>
+                </p:style>
+              </p:cxnSp>
+              <p:cxnSp>
+                <p:nvCxnSpPr>
+                  <p:cNvPr id="16" name="Straight Arrow Connector 15"/>
+                  <p:cNvCxnSpPr/>
+                  <p:nvPr/>
+                </p:nvCxnSpPr>
+                <p:spPr>
+                  <a:xfrm flipH="1">
+                    <a:off x="16378" y="4482"/>
+                    <a:ext cx="897" cy="1306"/>
+                  </a:xfrm>
+                  <a:prstGeom prst="straightConnector1">
+                    <a:avLst/>
+                  </a:prstGeom>
+                  <a:ln w="88900" cmpd="dbl">
+                    <a:solidFill>
+                      <a:schemeClr val="tx1"/>
+                    </a:solidFill>
+                    <a:tailEnd type="arrow" w="med" len="sm"/>
+                  </a:ln>
+                </p:spPr>
+                <p:style>
+                  <a:lnRef idx="1">
+                    <a:schemeClr val="accent1"/>
+                  </a:lnRef>
+                  <a:fillRef idx="0">
+                    <a:schemeClr val="accent1"/>
+                  </a:fillRef>
+                  <a:effectRef idx="0">
+                    <a:schemeClr val="accent1"/>
+                  </a:effectRef>
+                  <a:fontRef idx="minor">
+                    <a:schemeClr val="tx1"/>
+                  </a:fontRef>
+                </p:style>
+              </p:cxnSp>
               <p:sp>
                 <p:nvSpPr>
-                  <p:cNvPr id="52" name="Rounded Rectangle 51"/>
+                  <p:cNvPr id="18" name="Hexagon 17"/>
                   <p:cNvSpPr/>
                   <p:nvPr/>
                 </p:nvSpPr>
                 <p:spPr>
                   <a:xfrm>
-                    <a:off x="17868" y="6108"/>
-                    <a:ext cx="2250" cy="1395"/>
+                    <a:off x="13569" y="5578"/>
+                    <a:ext cx="2595" cy="2220"/>
                   </a:xfrm>
-                  <a:prstGeom prst="roundRect">
+                  <a:prstGeom prst="hexagon">
                     <a:avLst/>
                   </a:prstGeom>
                 </p:spPr>
                 <p:style>
                   <a:lnRef idx="1">
-                    <a:schemeClr val="accent5"/>
+                    <a:schemeClr val="accent3"/>
                   </a:lnRef>
                   <a:fillRef idx="2">
-                    <a:schemeClr val="accent5"/>
+                    <a:schemeClr val="accent3"/>
                   </a:fillRef>
                   <a:effectRef idx="1">
-                    <a:schemeClr val="accent5"/>
+                    <a:schemeClr val="accent3"/>
                   </a:effectRef>
                   <a:fontRef idx="minor">
                     <a:schemeClr val="dk1"/>
@@ -5064,14 +4902,14 @@
               </p:sp>
               <p:sp>
                 <p:nvSpPr>
-                  <p:cNvPr id="53" name="Text Box 52"/>
+                  <p:cNvPr id="19" name="Text Box 18"/>
                   <p:cNvSpPr txBox="1"/>
                   <p:nvPr/>
                 </p:nvSpPr>
                 <p:spPr>
                   <a:xfrm>
-                    <a:off x="17922" y="6225"/>
-                    <a:ext cx="2142" cy="1161"/>
+                    <a:off x="13950" y="5788"/>
+                    <a:ext cx="1848" cy="1840"/>
                   </a:xfrm>
                   <a:prstGeom prst="rect">
                     <a:avLst/>
@@ -5085,13 +4923,148 @@
                   <a:p>
                     <a:pPr algn="ctr"/>
                     <a:r>
-                      <a:rPr lang="en-GB" altLang="en-US" sz="1400"/>
-                      <a:t>Listado de clips similares a la consulta</a:t>
+                      <a:rPr lang="en-GB" altLang="en-US" sz="1400">
+                        <a:sym typeface="+mn-ea"/>
+                      </a:rPr>
+                      <a:t>Comparación y ranking utilizando similitud de coseno</a:t>
                     </a:r>
                     <a:endParaRPr lang="en-GB" altLang="en-US" sz="1400"/>
                   </a:p>
                 </p:txBody>
               </p:sp>
+            </p:grpSp>
+            <p:grpSp>
+              <p:nvGrpSpPr>
+                <p:cNvPr id="56" name="Group 55"/>
+                <p:cNvGrpSpPr/>
+                <p:nvPr/>
+              </p:nvGrpSpPr>
+              <p:grpSpPr>
+                <a:xfrm>
+                  <a:off x="16263" y="6011"/>
+                  <a:ext cx="3855" cy="1394"/>
+                  <a:chOff x="16263" y="6011"/>
+                  <a:chExt cx="3855" cy="1394"/>
+                </a:xfrm>
+              </p:grpSpPr>
+              <p:cxnSp>
+                <p:nvCxnSpPr>
+                  <p:cNvPr id="51" name="Straight Arrow Connector 50"/>
+                  <p:cNvCxnSpPr/>
+                  <p:nvPr/>
+                </p:nvCxnSpPr>
+                <p:spPr>
+                  <a:xfrm>
+                    <a:off x="16263" y="6708"/>
+                    <a:ext cx="1407" cy="0"/>
+                  </a:xfrm>
+                  <a:prstGeom prst="straightConnector1">
+                    <a:avLst/>
+                  </a:prstGeom>
+                  <a:ln w="88900" cmpd="dbl">
+                    <a:solidFill>
+                      <a:schemeClr val="tx1"/>
+                    </a:solidFill>
+                    <a:tailEnd type="arrow" w="med" len="sm"/>
+                  </a:ln>
+                </p:spPr>
+                <p:style>
+                  <a:lnRef idx="1">
+                    <a:schemeClr val="accent1"/>
+                  </a:lnRef>
+                  <a:fillRef idx="0">
+                    <a:schemeClr val="accent1"/>
+                  </a:fillRef>
+                  <a:effectRef idx="0">
+                    <a:schemeClr val="accent1"/>
+                  </a:effectRef>
+                  <a:fontRef idx="minor">
+                    <a:schemeClr val="tx1"/>
+                  </a:fontRef>
+                </p:style>
+              </p:cxnSp>
+              <p:grpSp>
+                <p:nvGrpSpPr>
+                  <p:cNvPr id="54" name="Group 53"/>
+                  <p:cNvGrpSpPr/>
+                  <p:nvPr/>
+                </p:nvGrpSpPr>
+                <p:grpSpPr>
+                  <a:xfrm>
+                    <a:off x="17868" y="6011"/>
+                    <a:ext cx="2250" cy="1394"/>
+                    <a:chOff x="17868" y="6108"/>
+                    <a:chExt cx="2250" cy="1394"/>
+                  </a:xfrm>
+                </p:grpSpPr>
+                <p:sp>
+                  <p:nvSpPr>
+                    <p:cNvPr id="52" name="Rounded Rectangle 51"/>
+                    <p:cNvSpPr/>
+                    <p:nvPr/>
+                  </p:nvSpPr>
+                  <p:spPr>
+                    <a:xfrm>
+                      <a:off x="17868" y="6108"/>
+                      <a:ext cx="2250" cy="1395"/>
+                    </a:xfrm>
+                    <a:prstGeom prst="roundRect">
+                      <a:avLst/>
+                    </a:prstGeom>
+                  </p:spPr>
+                  <p:style>
+                    <a:lnRef idx="1">
+                      <a:schemeClr val="accent5"/>
+                    </a:lnRef>
+                    <a:fillRef idx="2">
+                      <a:schemeClr val="accent5"/>
+                    </a:fillRef>
+                    <a:effectRef idx="1">
+                      <a:schemeClr val="accent5"/>
+                    </a:effectRef>
+                    <a:fontRef idx="minor">
+                      <a:schemeClr val="dk1"/>
+                    </a:fontRef>
+                  </p:style>
+                  <p:txBody>
+                    <a:bodyPr rtlCol="0" anchor="ctr"/>
+                    <a:p>
+                      <a:pPr algn="ctr"/>
+                      <a:endParaRPr lang="en-GB" altLang="en-US"/>
+                    </a:p>
+                  </p:txBody>
+                </p:sp>
+                <p:sp>
+                  <p:nvSpPr>
+                    <p:cNvPr id="53" name="Text Box 52"/>
+                    <p:cNvSpPr txBox="1"/>
+                    <p:nvPr/>
+                  </p:nvSpPr>
+                  <p:spPr>
+                    <a:xfrm>
+                      <a:off x="17922" y="6225"/>
+                      <a:ext cx="2142" cy="1161"/>
+                    </a:xfrm>
+                    <a:prstGeom prst="rect">
+                      <a:avLst/>
+                    </a:prstGeom>
+                    <a:noFill/>
+                  </p:spPr>
+                  <p:txBody>
+                    <a:bodyPr wrap="square" rtlCol="0">
+                      <a:spAutoFit/>
+                    </a:bodyPr>
+                    <a:p>
+                      <a:pPr algn="ctr"/>
+                      <a:r>
+                        <a:rPr lang="en-GB" altLang="en-US" sz="1400"/>
+                        <a:t>Listado de clips similares a la consulta</a:t>
+                      </a:r>
+                      <a:endParaRPr lang="en-GB" altLang="en-US" sz="1400"/>
+                    </a:p>
+                  </p:txBody>
+                </p:sp>
+              </p:grpSp>
             </p:grpSp>
           </p:grpSp>
         </p:grpSp>
